--- a/BK.pptx
+++ b/BK.pptx
@@ -630,770 +630,6 @@
     </pc:docChg>
   </pc:docChgLst>
   <pc:docChgLst>
-    <pc:chgData name="남형우" userId="55d21c22-4a22-4b6f-b207-5956ec23e976" providerId="ADAL" clId="{7E02A27E-1E61-47A9-BCA4-FDC6063622E6}"/>
-    <pc:docChg chg="undo custSel addSld delSld modSld sldOrd">
-      <pc:chgData name="남형우" userId="55d21c22-4a22-4b6f-b207-5956ec23e976" providerId="ADAL" clId="{7E02A27E-1E61-47A9-BCA4-FDC6063622E6}" dt="2023-10-11T23:16:38.171" v="1000" actId="1036"/>
-      <pc:docMkLst>
-        <pc:docMk/>
-      </pc:docMkLst>
-      <pc:sldChg chg="delSp modSp mod delAnim">
-        <pc:chgData name="남형우" userId="55d21c22-4a22-4b6f-b207-5956ec23e976" providerId="ADAL" clId="{7E02A27E-1E61-47A9-BCA4-FDC6063622E6}" dt="2023-10-10T16:10:33.081" v="930" actId="20577"/>
-        <pc:sldMkLst>
-          <pc:docMk/>
-          <pc:sldMk cId="4273145799" sldId="289"/>
-        </pc:sldMkLst>
-        <pc:spChg chg="mod">
-          <ac:chgData name="남형우" userId="55d21c22-4a22-4b6f-b207-5956ec23e976" providerId="ADAL" clId="{7E02A27E-1E61-47A9-BCA4-FDC6063622E6}" dt="2023-10-10T16:10:33.081" v="930" actId="20577"/>
-          <ac:spMkLst>
-            <pc:docMk/>
-            <pc:sldMk cId="4273145799" sldId="289"/>
-            <ac:spMk id="3" creationId="{6C8A20C5-7C45-1A53-39E5-3AF86D088977}"/>
-          </ac:spMkLst>
-        </pc:spChg>
-        <pc:picChg chg="del">
-          <ac:chgData name="남형우" userId="55d21c22-4a22-4b6f-b207-5956ec23e976" providerId="ADAL" clId="{7E02A27E-1E61-47A9-BCA4-FDC6063622E6}" dt="2023-09-26T09:09:59.388" v="0" actId="478"/>
-          <ac:picMkLst>
-            <pc:docMk/>
-            <pc:sldMk cId="4273145799" sldId="289"/>
-            <ac:picMk id="4" creationId="{C46007F5-DF81-4710-093B-17F8934151F6}"/>
-          </ac:picMkLst>
-        </pc:picChg>
-        <pc:picChg chg="del">
-          <ac:chgData name="남형우" userId="55d21c22-4a22-4b6f-b207-5956ec23e976" providerId="ADAL" clId="{7E02A27E-1E61-47A9-BCA4-FDC6063622E6}" dt="2023-09-26T09:09:59.388" v="0" actId="478"/>
-          <ac:picMkLst>
-            <pc:docMk/>
-            <pc:sldMk cId="4273145799" sldId="289"/>
-            <ac:picMk id="5" creationId="{9C4A2FE9-85E3-D33A-B47E-B917D92482BC}"/>
-          </ac:picMkLst>
-        </pc:picChg>
-      </pc:sldChg>
-      <pc:sldChg chg="addSp delSp modSp mod ord delAnim modAnim">
-        <pc:chgData name="남형우" userId="55d21c22-4a22-4b6f-b207-5956ec23e976" providerId="ADAL" clId="{7E02A27E-1E61-47A9-BCA4-FDC6063622E6}" dt="2023-10-11T23:16:38.171" v="1000" actId="1036"/>
-        <pc:sldMkLst>
-          <pc:docMk/>
-          <pc:sldMk cId="570196863" sldId="291"/>
-        </pc:sldMkLst>
-        <pc:spChg chg="mod">
-          <ac:chgData name="남형우" userId="55d21c22-4a22-4b6f-b207-5956ec23e976" providerId="ADAL" clId="{7E02A27E-1E61-47A9-BCA4-FDC6063622E6}" dt="2023-10-10T16:22:12.550" v="939" actId="20577"/>
-          <ac:spMkLst>
-            <pc:docMk/>
-            <pc:sldMk cId="570196863" sldId="291"/>
-            <ac:spMk id="2" creationId="{EF86EFDF-5831-4A5C-70C4-81E08E491C21}"/>
-          </ac:spMkLst>
-        </pc:spChg>
-        <pc:spChg chg="mod">
-          <ac:chgData name="남형우" userId="55d21c22-4a22-4b6f-b207-5956ec23e976" providerId="ADAL" clId="{7E02A27E-1E61-47A9-BCA4-FDC6063622E6}" dt="2023-10-10T16:22:28.960" v="987" actId="20577"/>
-          <ac:spMkLst>
-            <pc:docMk/>
-            <pc:sldMk cId="570196863" sldId="291"/>
-            <ac:spMk id="3" creationId="{F9437826-1146-9824-53D4-C33BDE9C6E31}"/>
-          </ac:spMkLst>
-        </pc:spChg>
-        <pc:spChg chg="del">
-          <ac:chgData name="남형우" userId="55d21c22-4a22-4b6f-b207-5956ec23e976" providerId="ADAL" clId="{7E02A27E-1E61-47A9-BCA4-FDC6063622E6}" dt="2023-09-27T04:43:43.167" v="23" actId="478"/>
-          <ac:spMkLst>
-            <pc:docMk/>
-            <pc:sldMk cId="570196863" sldId="291"/>
-            <ac:spMk id="4" creationId="{7E1BBF9D-C69B-C66A-C62A-A38FC27D0FD4}"/>
-          </ac:spMkLst>
-        </pc:spChg>
-        <pc:spChg chg="add mod">
-          <ac:chgData name="남형우" userId="55d21c22-4a22-4b6f-b207-5956ec23e976" providerId="ADAL" clId="{7E02A27E-1E61-47A9-BCA4-FDC6063622E6}" dt="2023-10-10T13:42:08.902" v="820" actId="1036"/>
-          <ac:spMkLst>
-            <pc:docMk/>
-            <pc:sldMk cId="570196863" sldId="291"/>
-            <ac:spMk id="6" creationId="{14BA724E-3FE2-F2B5-CCAF-84145652D30E}"/>
-          </ac:spMkLst>
-        </pc:spChg>
-        <pc:spChg chg="add mod">
-          <ac:chgData name="남형우" userId="55d21c22-4a22-4b6f-b207-5956ec23e976" providerId="ADAL" clId="{7E02A27E-1E61-47A9-BCA4-FDC6063622E6}" dt="2023-10-10T13:42:08.902" v="820" actId="1036"/>
-          <ac:spMkLst>
-            <pc:docMk/>
-            <pc:sldMk cId="570196863" sldId="291"/>
-            <ac:spMk id="7" creationId="{F56E2616-EA1C-D71D-922D-D017DFD58185}"/>
-          </ac:spMkLst>
-        </pc:spChg>
-        <pc:spChg chg="del">
-          <ac:chgData name="남형우" userId="55d21c22-4a22-4b6f-b207-5956ec23e976" providerId="ADAL" clId="{7E02A27E-1E61-47A9-BCA4-FDC6063622E6}" dt="2023-09-27T04:43:41.683" v="22" actId="478"/>
-          <ac:spMkLst>
-            <pc:docMk/>
-            <pc:sldMk cId="570196863" sldId="291"/>
-            <ac:spMk id="9" creationId="{05E94831-9C3E-B41D-FE50-CC5930612E96}"/>
-          </ac:spMkLst>
-        </pc:spChg>
-        <pc:picChg chg="add mod">
-          <ac:chgData name="남형우" userId="55d21c22-4a22-4b6f-b207-5956ec23e976" providerId="ADAL" clId="{7E02A27E-1E61-47A9-BCA4-FDC6063622E6}" dt="2023-10-10T13:42:08.902" v="820" actId="1036"/>
-          <ac:picMkLst>
-            <pc:docMk/>
-            <pc:sldMk cId="570196863" sldId="291"/>
-            <ac:picMk id="4" creationId="{12BC016A-A368-F731-2ED7-3E8F0A8A21C6}"/>
-          </ac:picMkLst>
-        </pc:picChg>
-        <pc:picChg chg="del">
-          <ac:chgData name="남형우" userId="55d21c22-4a22-4b6f-b207-5956ec23e976" providerId="ADAL" clId="{7E02A27E-1E61-47A9-BCA4-FDC6063622E6}" dt="2023-09-26T09:10:08.736" v="3" actId="478"/>
-          <ac:picMkLst>
-            <pc:docMk/>
-            <pc:sldMk cId="570196863" sldId="291"/>
-            <ac:picMk id="5" creationId="{31252CB5-C78B-B921-8EFF-5B6224CF7711}"/>
-          </ac:picMkLst>
-        </pc:picChg>
-        <pc:picChg chg="add mod">
-          <ac:chgData name="남형우" userId="55d21c22-4a22-4b6f-b207-5956ec23e976" providerId="ADAL" clId="{7E02A27E-1E61-47A9-BCA4-FDC6063622E6}" dt="2023-10-11T23:16:38.171" v="1000" actId="1036"/>
-          <ac:picMkLst>
-            <pc:docMk/>
-            <pc:sldMk cId="570196863" sldId="291"/>
-            <ac:picMk id="5" creationId="{720A0A9C-E8CD-D160-E269-59971C43E825}"/>
-          </ac:picMkLst>
-        </pc:picChg>
-        <pc:picChg chg="del">
-          <ac:chgData name="남형우" userId="55d21c22-4a22-4b6f-b207-5956ec23e976" providerId="ADAL" clId="{7E02A27E-1E61-47A9-BCA4-FDC6063622E6}" dt="2023-09-26T09:10:10.098" v="6" actId="478"/>
-          <ac:picMkLst>
-            <pc:docMk/>
-            <pc:sldMk cId="570196863" sldId="291"/>
-            <ac:picMk id="6" creationId="{C535394E-8DB7-6945-1C09-7807007F8867}"/>
-          </ac:picMkLst>
-        </pc:picChg>
-        <pc:picChg chg="del">
-          <ac:chgData name="남형우" userId="55d21c22-4a22-4b6f-b207-5956ec23e976" providerId="ADAL" clId="{7E02A27E-1E61-47A9-BCA4-FDC6063622E6}" dt="2023-09-26T09:10:09.239" v="4" actId="478"/>
-          <ac:picMkLst>
-            <pc:docMk/>
-            <pc:sldMk cId="570196863" sldId="291"/>
-            <ac:picMk id="7" creationId="{1D53AE75-E492-1FA0-F8B0-F0E5282F7F74}"/>
-          </ac:picMkLst>
-        </pc:picChg>
-        <pc:picChg chg="del">
-          <ac:chgData name="남형우" userId="55d21c22-4a22-4b6f-b207-5956ec23e976" providerId="ADAL" clId="{7E02A27E-1E61-47A9-BCA4-FDC6063622E6}" dt="2023-09-26T09:10:09.629" v="5" actId="478"/>
-          <ac:picMkLst>
-            <pc:docMk/>
-            <pc:sldMk cId="570196863" sldId="291"/>
-            <ac:picMk id="8" creationId="{AB24E1E7-1B82-4B91-61C8-333CBC25C33A}"/>
-          </ac:picMkLst>
-        </pc:picChg>
-      </pc:sldChg>
-      <pc:sldChg chg="delSp del mod delAnim">
-        <pc:chgData name="남형우" userId="55d21c22-4a22-4b6f-b207-5956ec23e976" providerId="ADAL" clId="{7E02A27E-1E61-47A9-BCA4-FDC6063622E6}" dt="2023-10-11T03:57:59.236" v="992" actId="47"/>
-        <pc:sldMkLst>
-          <pc:docMk/>
-          <pc:sldMk cId="1661189638" sldId="298"/>
-        </pc:sldMkLst>
-        <pc:picChg chg="del">
-          <ac:chgData name="남형우" userId="55d21c22-4a22-4b6f-b207-5956ec23e976" providerId="ADAL" clId="{7E02A27E-1E61-47A9-BCA4-FDC6063622E6}" dt="2023-09-26T09:10:12.005" v="8" actId="478"/>
-          <ac:picMkLst>
-            <pc:docMk/>
-            <pc:sldMk cId="1661189638" sldId="298"/>
-            <ac:picMk id="4" creationId="{8D76B264-5E9D-6C61-6CEA-EAAF9EB5C979}"/>
-          </ac:picMkLst>
-        </pc:picChg>
-        <pc:picChg chg="del">
-          <ac:chgData name="남형우" userId="55d21c22-4a22-4b6f-b207-5956ec23e976" providerId="ADAL" clId="{7E02A27E-1E61-47A9-BCA4-FDC6063622E6}" dt="2023-09-26T09:10:11.459" v="7" actId="478"/>
-          <ac:picMkLst>
-            <pc:docMk/>
-            <pc:sldMk cId="1661189638" sldId="298"/>
-            <ac:picMk id="9" creationId="{9E46E866-13D2-1C0D-A1E7-0882D3841BB1}"/>
-          </ac:picMkLst>
-        </pc:picChg>
-      </pc:sldChg>
-      <pc:sldChg chg="addSp delSp modSp mod delAnim modAnim">
-        <pc:chgData name="남형우" userId="55d21c22-4a22-4b6f-b207-5956ec23e976" providerId="ADAL" clId="{7E02A27E-1E61-47A9-BCA4-FDC6063622E6}" dt="2023-10-11T23:13:08.761" v="996" actId="1038"/>
-        <pc:sldMkLst>
-          <pc:docMk/>
-          <pc:sldMk cId="3323202215" sldId="300"/>
-        </pc:sldMkLst>
-        <pc:spChg chg="mod">
-          <ac:chgData name="남형우" userId="55d21c22-4a22-4b6f-b207-5956ec23e976" providerId="ADAL" clId="{7E02A27E-1E61-47A9-BCA4-FDC6063622E6}" dt="2023-10-11T03:56:36.268" v="991"/>
-          <ac:spMkLst>
-            <pc:docMk/>
-            <pc:sldMk cId="3323202215" sldId="300"/>
-            <ac:spMk id="2" creationId="{2A74ECF4-C5C5-9DDD-2C83-BDE3F91016AD}"/>
-          </ac:spMkLst>
-        </pc:spChg>
-        <pc:spChg chg="mod">
-          <ac:chgData name="남형우" userId="55d21c22-4a22-4b6f-b207-5956ec23e976" providerId="ADAL" clId="{7E02A27E-1E61-47A9-BCA4-FDC6063622E6}" dt="2023-10-10T16:22:35.753" v="988"/>
-          <ac:spMkLst>
-            <pc:docMk/>
-            <pc:sldMk cId="3323202215" sldId="300"/>
-            <ac:spMk id="3" creationId="{4C7FA0F8-3AAA-762D-A5B7-BB4D399C4542}"/>
-          </ac:spMkLst>
-        </pc:spChg>
-        <pc:picChg chg="add del mod modCrop">
-          <ac:chgData name="남형우" userId="55d21c22-4a22-4b6f-b207-5956ec23e976" providerId="ADAL" clId="{7E02A27E-1E61-47A9-BCA4-FDC6063622E6}" dt="2023-10-10T13:14:48.704" v="184" actId="478"/>
-          <ac:picMkLst>
-            <pc:docMk/>
-            <pc:sldMk cId="3323202215" sldId="300"/>
-            <ac:picMk id="4" creationId="{85C41911-838B-E532-A159-E74B8C6062F4}"/>
-          </ac:picMkLst>
-        </pc:picChg>
-        <pc:picChg chg="del">
-          <ac:chgData name="남형우" userId="55d21c22-4a22-4b6f-b207-5956ec23e976" providerId="ADAL" clId="{7E02A27E-1E61-47A9-BCA4-FDC6063622E6}" dt="2023-09-26T09:10:04.986" v="2" actId="478"/>
-          <ac:picMkLst>
-            <pc:docMk/>
-            <pc:sldMk cId="3323202215" sldId="300"/>
-            <ac:picMk id="4" creationId="{FF8A7E28-6F99-6957-FFE9-3EAE61415DED}"/>
-          </ac:picMkLst>
-        </pc:picChg>
-        <pc:picChg chg="add mod modCrop">
-          <ac:chgData name="남형우" userId="55d21c22-4a22-4b6f-b207-5956ec23e976" providerId="ADAL" clId="{7E02A27E-1E61-47A9-BCA4-FDC6063622E6}" dt="2023-10-11T23:13:08.761" v="996" actId="1038"/>
-          <ac:picMkLst>
-            <pc:docMk/>
-            <pc:sldMk cId="3323202215" sldId="300"/>
-            <ac:picMk id="5" creationId="{16A91BEA-B21A-1B9A-5B08-18E9182C5931}"/>
-          </ac:picMkLst>
-        </pc:picChg>
-        <pc:picChg chg="add mod">
-          <ac:chgData name="남형우" userId="55d21c22-4a22-4b6f-b207-5956ec23e976" providerId="ADAL" clId="{7E02A27E-1E61-47A9-BCA4-FDC6063622E6}" dt="2023-10-10T13:41:33.573" v="800" actId="1076"/>
-          <ac:picMkLst>
-            <pc:docMk/>
-            <pc:sldMk cId="3323202215" sldId="300"/>
-            <ac:picMk id="6" creationId="{30CF9233-3710-8360-30FC-0A704AB79ACA}"/>
-          </ac:picMkLst>
-        </pc:picChg>
-      </pc:sldChg>
-      <pc:sldChg chg="delSp del mod delAnim">
-        <pc:chgData name="남형우" userId="55d21c22-4a22-4b6f-b207-5956ec23e976" providerId="ADAL" clId="{7E02A27E-1E61-47A9-BCA4-FDC6063622E6}" dt="2023-09-26T09:11:05.110" v="21" actId="47"/>
-        <pc:sldMkLst>
-          <pc:docMk/>
-          <pc:sldMk cId="695548917" sldId="301"/>
-        </pc:sldMkLst>
-        <pc:picChg chg="del">
-          <ac:chgData name="남형우" userId="55d21c22-4a22-4b6f-b207-5956ec23e976" providerId="ADAL" clId="{7E02A27E-1E61-47A9-BCA4-FDC6063622E6}" dt="2023-09-26T09:10:02.078" v="1" actId="478"/>
-          <ac:picMkLst>
-            <pc:docMk/>
-            <pc:sldMk cId="695548917" sldId="301"/>
-            <ac:picMk id="4" creationId="{C46007F5-DF81-4710-093B-17F8934151F6}"/>
-          </ac:picMkLst>
-        </pc:picChg>
-        <pc:picChg chg="del">
-          <ac:chgData name="남형우" userId="55d21c22-4a22-4b6f-b207-5956ec23e976" providerId="ADAL" clId="{7E02A27E-1E61-47A9-BCA4-FDC6063622E6}" dt="2023-09-26T09:10:02.078" v="1" actId="478"/>
-          <ac:picMkLst>
-            <pc:docMk/>
-            <pc:sldMk cId="695548917" sldId="301"/>
-            <ac:picMk id="5" creationId="{9C4A2FE9-85E3-D33A-B47E-B917D92482BC}"/>
-          </ac:picMkLst>
-        </pc:picChg>
-      </pc:sldChg>
-      <pc:sldChg chg="modSp new del mod">
-        <pc:chgData name="남형우" userId="55d21c22-4a22-4b6f-b207-5956ec23e976" providerId="ADAL" clId="{7E02A27E-1E61-47A9-BCA4-FDC6063622E6}" dt="2023-10-10T13:47:38.350" v="824" actId="47"/>
-        <pc:sldMkLst>
-          <pc:docMk/>
-          <pc:sldMk cId="3422894093" sldId="301"/>
-        </pc:sldMkLst>
-        <pc:spChg chg="mod">
-          <ac:chgData name="남형우" userId="55d21c22-4a22-4b6f-b207-5956ec23e976" providerId="ADAL" clId="{7E02A27E-1E61-47A9-BCA4-FDC6063622E6}" dt="2023-10-10T12:57:12.087" v="43" actId="20577"/>
-          <ac:spMkLst>
-            <pc:docMk/>
-            <pc:sldMk cId="3422894093" sldId="301"/>
-            <ac:spMk id="2" creationId="{CB4788A8-A1EC-208C-E4A4-4D0C6311DF48}"/>
-          </ac:spMkLst>
-        </pc:spChg>
-        <pc:spChg chg="mod">
-          <ac:chgData name="남형우" userId="55d21c22-4a22-4b6f-b207-5956ec23e976" providerId="ADAL" clId="{7E02A27E-1E61-47A9-BCA4-FDC6063622E6}" dt="2023-10-10T13:09:24.325" v="176"/>
-          <ac:spMkLst>
-            <pc:docMk/>
-            <pc:sldMk cId="3422894093" sldId="301"/>
-            <ac:spMk id="3" creationId="{0A685E7A-DBE2-609E-C189-77C4F6220AC2}"/>
-          </ac:spMkLst>
-        </pc:spChg>
-      </pc:sldChg>
-    </pc:docChg>
-  </pc:docChgLst>
-  <pc:docChgLst>
-    <pc:chgData name="남형우" userId="55d21c22-4a22-4b6f-b207-5956ec23e976" providerId="ADAL" clId="{0A5E0328-682D-43F0-9027-E7F0C613DE1A}"/>
-    <pc:docChg chg="undo custSel addSld delSld modSld sldOrd">
-      <pc:chgData name="남형우" userId="55d21c22-4a22-4b6f-b207-5956ec23e976" providerId="ADAL" clId="{0A5E0328-682D-43F0-9027-E7F0C613DE1A}" dt="2023-09-13T03:43:39.856" v="2984" actId="47"/>
-      <pc:docMkLst>
-        <pc:docMk/>
-      </pc:docMkLst>
-      <pc:sldChg chg="del">
-        <pc:chgData name="남형우" userId="55d21c22-4a22-4b6f-b207-5956ec23e976" providerId="ADAL" clId="{0A5E0328-682D-43F0-9027-E7F0C613DE1A}" dt="2023-09-13T03:43:37.364" v="2981" actId="47"/>
-        <pc:sldMkLst>
-          <pc:docMk/>
-          <pc:sldMk cId="237750354" sldId="282"/>
-        </pc:sldMkLst>
-      </pc:sldChg>
-      <pc:sldChg chg="del">
-        <pc:chgData name="남형우" userId="55d21c22-4a22-4b6f-b207-5956ec23e976" providerId="ADAL" clId="{0A5E0328-682D-43F0-9027-E7F0C613DE1A}" dt="2023-09-13T03:43:38.387" v="2982" actId="47"/>
-        <pc:sldMkLst>
-          <pc:docMk/>
-          <pc:sldMk cId="3514421801" sldId="283"/>
-        </pc:sldMkLst>
-      </pc:sldChg>
-      <pc:sldChg chg="del">
-        <pc:chgData name="남형우" userId="55d21c22-4a22-4b6f-b207-5956ec23e976" providerId="ADAL" clId="{0A5E0328-682D-43F0-9027-E7F0C613DE1A}" dt="2023-09-13T03:43:39" v="2983" actId="47"/>
-        <pc:sldMkLst>
-          <pc:docMk/>
-          <pc:sldMk cId="2156460152" sldId="284"/>
-        </pc:sldMkLst>
-      </pc:sldChg>
-      <pc:sldChg chg="del">
-        <pc:chgData name="남형우" userId="55d21c22-4a22-4b6f-b207-5956ec23e976" providerId="ADAL" clId="{0A5E0328-682D-43F0-9027-E7F0C613DE1A}" dt="2023-09-13T03:43:39.856" v="2984" actId="47"/>
-        <pc:sldMkLst>
-          <pc:docMk/>
-          <pc:sldMk cId="769941606" sldId="286"/>
-        </pc:sldMkLst>
-      </pc:sldChg>
-      <pc:sldChg chg="addSp modSp mod modAnim">
-        <pc:chgData name="남형우" userId="55d21c22-4a22-4b6f-b207-5956ec23e976" providerId="ADAL" clId="{0A5E0328-682D-43F0-9027-E7F0C613DE1A}" dt="2023-09-13T03:30:42.893" v="2826"/>
-        <pc:sldMkLst>
-          <pc:docMk/>
-          <pc:sldMk cId="580013428" sldId="287"/>
-        </pc:sldMkLst>
-        <pc:spChg chg="mod">
-          <ac:chgData name="남형우" userId="55d21c22-4a22-4b6f-b207-5956ec23e976" providerId="ADAL" clId="{0A5E0328-682D-43F0-9027-E7F0C613DE1A}" dt="2023-09-12T18:19:43.368" v="2366" actId="20577"/>
-          <ac:spMkLst>
-            <pc:docMk/>
-            <pc:sldMk cId="580013428" sldId="287"/>
-            <ac:spMk id="2" creationId="{5037DFCA-8137-9BCE-B091-C6E446D3637D}"/>
-          </ac:spMkLst>
-        </pc:spChg>
-        <pc:spChg chg="mod">
-          <ac:chgData name="남형우" userId="55d21c22-4a22-4b6f-b207-5956ec23e976" providerId="ADAL" clId="{0A5E0328-682D-43F0-9027-E7F0C613DE1A}" dt="2023-09-13T03:25:35.920" v="2635" actId="20577"/>
-          <ac:spMkLst>
-            <pc:docMk/>
-            <pc:sldMk cId="580013428" sldId="287"/>
-            <ac:spMk id="3" creationId="{058F58F0-D02C-55EC-6072-65FF05BEF0BB}"/>
-          </ac:spMkLst>
-        </pc:spChg>
-        <pc:picChg chg="add mod">
-          <ac:chgData name="남형우" userId="55d21c22-4a22-4b6f-b207-5956ec23e976" providerId="ADAL" clId="{0A5E0328-682D-43F0-9027-E7F0C613DE1A}" dt="2023-09-13T03:29:58.640" v="2822" actId="14100"/>
-          <ac:picMkLst>
-            <pc:docMk/>
-            <pc:sldMk cId="580013428" sldId="287"/>
-            <ac:picMk id="4" creationId="{7E7D6FB1-37E4-F007-DF11-83E362DCE0A0}"/>
-          </ac:picMkLst>
-        </pc:picChg>
-      </pc:sldChg>
-      <pc:sldChg chg="addSp delSp modSp del mod ord">
-        <pc:chgData name="남형우" userId="55d21c22-4a22-4b6f-b207-5956ec23e976" providerId="ADAL" clId="{0A5E0328-682D-43F0-9027-E7F0C613DE1A}" dt="2023-09-13T03:43:34.880" v="2980" actId="47"/>
-        <pc:sldMkLst>
-          <pc:docMk/>
-          <pc:sldMk cId="983432459" sldId="288"/>
-        </pc:sldMkLst>
-        <pc:spChg chg="mod">
-          <ac:chgData name="남형우" userId="55d21c22-4a22-4b6f-b207-5956ec23e976" providerId="ADAL" clId="{0A5E0328-682D-43F0-9027-E7F0C613DE1A}" dt="2023-09-13T00:44:46.920" v="1544" actId="20577"/>
-          <ac:spMkLst>
-            <pc:docMk/>
-            <pc:sldMk cId="983432459" sldId="288"/>
-            <ac:spMk id="2" creationId="{23F1EEE6-35E0-C8BE-FA0E-12AC48F44B31}"/>
-          </ac:spMkLst>
-        </pc:spChg>
-        <pc:spChg chg="del mod">
-          <ac:chgData name="남형우" userId="55d21c22-4a22-4b6f-b207-5956ec23e976" providerId="ADAL" clId="{0A5E0328-682D-43F0-9027-E7F0C613DE1A}" dt="2023-09-13T00:36:29.475" v="1473" actId="478"/>
-          <ac:spMkLst>
-            <pc:docMk/>
-            <pc:sldMk cId="983432459" sldId="288"/>
-            <ac:spMk id="3" creationId="{3D1A96C1-C1D4-77A3-BCFE-C3DBBAC98BC1}"/>
-          </ac:spMkLst>
-        </pc:spChg>
-        <pc:spChg chg="add del mod">
-          <ac:chgData name="남형우" userId="55d21c22-4a22-4b6f-b207-5956ec23e976" providerId="ADAL" clId="{0A5E0328-682D-43F0-9027-E7F0C613DE1A}" dt="2023-09-13T00:36:31.936" v="1474" actId="478"/>
-          <ac:spMkLst>
-            <pc:docMk/>
-            <pc:sldMk cId="983432459" sldId="288"/>
-            <ac:spMk id="5" creationId="{219D9403-D7AD-C843-0873-C80576C8B9B8}"/>
-          </ac:spMkLst>
-        </pc:spChg>
-        <pc:spChg chg="add mod">
-          <ac:chgData name="남형우" userId="55d21c22-4a22-4b6f-b207-5956ec23e976" providerId="ADAL" clId="{0A5E0328-682D-43F0-9027-E7F0C613DE1A}" dt="2023-09-13T01:16:10.556" v="2316" actId="113"/>
-          <ac:spMkLst>
-            <pc:docMk/>
-            <pc:sldMk cId="983432459" sldId="288"/>
-            <ac:spMk id="6" creationId="{9BA6ADA9-7C6D-4D40-B99A-C75ACAA9E878}"/>
-          </ac:spMkLst>
-        </pc:spChg>
-        <pc:picChg chg="del mod">
-          <ac:chgData name="남형우" userId="55d21c22-4a22-4b6f-b207-5956ec23e976" providerId="ADAL" clId="{0A5E0328-682D-43F0-9027-E7F0C613DE1A}" dt="2023-09-13T01:03:30.095" v="1625" actId="478"/>
-          <ac:picMkLst>
-            <pc:docMk/>
-            <pc:sldMk cId="983432459" sldId="288"/>
-            <ac:picMk id="10" creationId="{19FA24B7-C55C-8A8B-6632-9EA21FA6A826}"/>
-          </ac:picMkLst>
-        </pc:picChg>
-      </pc:sldChg>
-      <pc:sldChg chg="modSp mod ord">
-        <pc:chgData name="남형우" userId="55d21c22-4a22-4b6f-b207-5956ec23e976" providerId="ADAL" clId="{0A5E0328-682D-43F0-9027-E7F0C613DE1A}" dt="2023-09-13T03:42:18.578" v="2979"/>
-        <pc:sldMkLst>
-          <pc:docMk/>
-          <pc:sldMk cId="4273145799" sldId="289"/>
-        </pc:sldMkLst>
-        <pc:spChg chg="mod">
-          <ac:chgData name="남형우" userId="55d21c22-4a22-4b6f-b207-5956ec23e976" providerId="ADAL" clId="{0A5E0328-682D-43F0-9027-E7F0C613DE1A}" dt="2023-09-13T03:42:18.578" v="2979"/>
-          <ac:spMkLst>
-            <pc:docMk/>
-            <pc:sldMk cId="4273145799" sldId="289"/>
-            <ac:spMk id="3" creationId="{6C8A20C5-7C45-1A53-39E5-3AF86D088977}"/>
-          </ac:spMkLst>
-        </pc:spChg>
-      </pc:sldChg>
-      <pc:sldChg chg="addSp delSp modSp mod">
-        <pc:chgData name="남형우" userId="55d21c22-4a22-4b6f-b207-5956ec23e976" providerId="ADAL" clId="{0A5E0328-682D-43F0-9027-E7F0C613DE1A}" dt="2023-09-13T00:52:45.302" v="1613" actId="1076"/>
-        <pc:sldMkLst>
-          <pc:docMk/>
-          <pc:sldMk cId="1959928122" sldId="290"/>
-        </pc:sldMkLst>
-        <pc:spChg chg="mod">
-          <ac:chgData name="남형우" userId="55d21c22-4a22-4b6f-b207-5956ec23e976" providerId="ADAL" clId="{0A5E0328-682D-43F0-9027-E7F0C613DE1A}" dt="2023-09-13T00:45:01.947" v="1549"/>
-          <ac:spMkLst>
-            <pc:docMk/>
-            <pc:sldMk cId="1959928122" sldId="290"/>
-            <ac:spMk id="2" creationId="{945AD8BE-8230-CB98-4C66-7AFA57B2EEBC}"/>
-          </ac:spMkLst>
-        </pc:spChg>
-        <pc:spChg chg="del">
-          <ac:chgData name="남형우" userId="55d21c22-4a22-4b6f-b207-5956ec23e976" providerId="ADAL" clId="{0A5E0328-682D-43F0-9027-E7F0C613DE1A}" dt="2023-09-13T00:39:24.107" v="1493" actId="478"/>
-          <ac:spMkLst>
-            <pc:docMk/>
-            <pc:sldMk cId="1959928122" sldId="290"/>
-            <ac:spMk id="3" creationId="{5440FC30-F452-DBA7-B976-100A55E93B4B}"/>
-          </ac:spMkLst>
-        </pc:spChg>
-        <pc:spChg chg="add del mod">
-          <ac:chgData name="남형우" userId="55d21c22-4a22-4b6f-b207-5956ec23e976" providerId="ADAL" clId="{0A5E0328-682D-43F0-9027-E7F0C613DE1A}" dt="2023-09-13T00:39:37.752" v="1496" actId="478"/>
-          <ac:spMkLst>
-            <pc:docMk/>
-            <pc:sldMk cId="1959928122" sldId="290"/>
-            <ac:spMk id="8" creationId="{A3F71E23-BA88-6DFD-98A3-BB3BAE34BA03}"/>
-          </ac:spMkLst>
-        </pc:spChg>
-        <pc:spChg chg="add mod">
-          <ac:chgData name="남형우" userId="55d21c22-4a22-4b6f-b207-5956ec23e976" providerId="ADAL" clId="{0A5E0328-682D-43F0-9027-E7F0C613DE1A}" dt="2023-09-13T00:52:45.302" v="1613" actId="1076"/>
-          <ac:spMkLst>
-            <pc:docMk/>
-            <pc:sldMk cId="1959928122" sldId="290"/>
-            <ac:spMk id="10" creationId="{C61CEF48-0E2C-F2B3-6705-2832E3278029}"/>
-          </ac:spMkLst>
-        </pc:spChg>
-        <pc:picChg chg="del">
-          <ac:chgData name="남형우" userId="55d21c22-4a22-4b6f-b207-5956ec23e976" providerId="ADAL" clId="{0A5E0328-682D-43F0-9027-E7F0C613DE1A}" dt="2023-09-13T00:39:14.881" v="1491" actId="478"/>
-          <ac:picMkLst>
-            <pc:docMk/>
-            <pc:sldMk cId="1959928122" sldId="290"/>
-            <ac:picMk id="5" creationId="{AA5143BF-B409-BB93-550F-8FA66FBEF20D}"/>
-          </ac:picMkLst>
-        </pc:picChg>
-        <pc:picChg chg="add">
-          <ac:chgData name="남형우" userId="55d21c22-4a22-4b6f-b207-5956ec23e976" providerId="ADAL" clId="{0A5E0328-682D-43F0-9027-E7F0C613DE1A}" dt="2023-09-13T00:39:15.764" v="1492" actId="22"/>
-          <ac:picMkLst>
-            <pc:docMk/>
-            <pc:sldMk cId="1959928122" sldId="290"/>
-            <ac:picMk id="6" creationId="{779275E3-62C8-928B-A0ED-3EF174AACAA2}"/>
-          </ac:picMkLst>
-        </pc:picChg>
-      </pc:sldChg>
-      <pc:sldChg chg="addSp modSp mod">
-        <pc:chgData name="남형우" userId="55d21c22-4a22-4b6f-b207-5956ec23e976" providerId="ADAL" clId="{0A5E0328-682D-43F0-9027-E7F0C613DE1A}" dt="2023-09-13T00:44:51.696" v="1545"/>
-        <pc:sldMkLst>
-          <pc:docMk/>
-          <pc:sldMk cId="570196863" sldId="291"/>
-        </pc:sldMkLst>
-        <pc:spChg chg="mod">
-          <ac:chgData name="남형우" userId="55d21c22-4a22-4b6f-b207-5956ec23e976" providerId="ADAL" clId="{0A5E0328-682D-43F0-9027-E7F0C613DE1A}" dt="2023-09-13T00:44:51.696" v="1545"/>
-          <ac:spMkLst>
-            <pc:docMk/>
-            <pc:sldMk cId="570196863" sldId="291"/>
-            <ac:spMk id="2" creationId="{EF86EFDF-5831-4A5C-70C4-81E08E491C21}"/>
-          </ac:spMkLst>
-        </pc:spChg>
-        <pc:spChg chg="mod">
-          <ac:chgData name="남형우" userId="55d21c22-4a22-4b6f-b207-5956ec23e976" providerId="ADAL" clId="{0A5E0328-682D-43F0-9027-E7F0C613DE1A}" dt="2023-09-12T23:09:53.212" v="106"/>
-          <ac:spMkLst>
-            <pc:docMk/>
-            <pc:sldMk cId="570196863" sldId="291"/>
-            <ac:spMk id="3" creationId="{F9437826-1146-9824-53D4-C33BDE9C6E31}"/>
-          </ac:spMkLst>
-        </pc:spChg>
-        <pc:picChg chg="add mod">
-          <ac:chgData name="남형우" userId="55d21c22-4a22-4b6f-b207-5956ec23e976" providerId="ADAL" clId="{0A5E0328-682D-43F0-9027-E7F0C613DE1A}" dt="2023-09-13T00:37:03.313" v="1482" actId="1076"/>
-          <ac:picMkLst>
-            <pc:docMk/>
-            <pc:sldMk cId="570196863" sldId="291"/>
-            <ac:picMk id="1026" creationId="{B68D89A1-4303-932F-7735-25F5E800447F}"/>
-          </ac:picMkLst>
-        </pc:picChg>
-      </pc:sldChg>
-      <pc:sldChg chg="addSp delSp modSp add mod">
-        <pc:chgData name="남형우" userId="55d21c22-4a22-4b6f-b207-5956ec23e976" providerId="ADAL" clId="{0A5E0328-682D-43F0-9027-E7F0C613DE1A}" dt="2023-09-13T01:38:58.071" v="2337"/>
-        <pc:sldMkLst>
-          <pc:docMk/>
-          <pc:sldMk cId="613461486" sldId="292"/>
-        </pc:sldMkLst>
-        <pc:spChg chg="mod">
-          <ac:chgData name="남형우" userId="55d21c22-4a22-4b6f-b207-5956ec23e976" providerId="ADAL" clId="{0A5E0328-682D-43F0-9027-E7F0C613DE1A}" dt="2023-09-13T00:44:53.943" v="1546"/>
-          <ac:spMkLst>
-            <pc:docMk/>
-            <pc:sldMk cId="613461486" sldId="292"/>
-            <ac:spMk id="2" creationId="{EF86EFDF-5831-4A5C-70C4-81E08E491C21}"/>
-          </ac:spMkLst>
-        </pc:spChg>
-        <pc:spChg chg="mod">
-          <ac:chgData name="남형우" userId="55d21c22-4a22-4b6f-b207-5956ec23e976" providerId="ADAL" clId="{0A5E0328-682D-43F0-9027-E7F0C613DE1A}" dt="2023-09-13T01:38:58.071" v="2337"/>
-          <ac:spMkLst>
-            <pc:docMk/>
-            <pc:sldMk cId="613461486" sldId="292"/>
-            <ac:spMk id="3" creationId="{F9437826-1146-9824-53D4-C33BDE9C6E31}"/>
-          </ac:spMkLst>
-        </pc:spChg>
-        <pc:spChg chg="add mod">
-          <ac:chgData name="남형우" userId="55d21c22-4a22-4b6f-b207-5956ec23e976" providerId="ADAL" clId="{0A5E0328-682D-43F0-9027-E7F0C613DE1A}" dt="2023-09-13T00:37:35.186" v="1489" actId="164"/>
-          <ac:spMkLst>
-            <pc:docMk/>
-            <pc:sldMk cId="613461486" sldId="292"/>
-            <ac:spMk id="8" creationId="{55A37964-75B1-D070-A463-CEB8B21EB6E3}"/>
-          </ac:spMkLst>
-        </pc:spChg>
-        <pc:grpChg chg="add mod">
-          <ac:chgData name="남형우" userId="55d21c22-4a22-4b6f-b207-5956ec23e976" providerId="ADAL" clId="{0A5E0328-682D-43F0-9027-E7F0C613DE1A}" dt="2023-09-13T00:45:54.087" v="1555" actId="1076"/>
-          <ac:grpSpMkLst>
-            <pc:docMk/>
-            <pc:sldMk cId="613461486" sldId="292"/>
-            <ac:grpSpMk id="9" creationId="{E213C8D7-A42A-DB72-3D3A-5B2756915041}"/>
-          </ac:grpSpMkLst>
-        </pc:grpChg>
-        <pc:picChg chg="add mod modCrop">
-          <ac:chgData name="남형우" userId="55d21c22-4a22-4b6f-b207-5956ec23e976" providerId="ADAL" clId="{0A5E0328-682D-43F0-9027-E7F0C613DE1A}" dt="2023-09-13T00:37:35.186" v="1489" actId="164"/>
-          <ac:picMkLst>
-            <pc:docMk/>
-            <pc:sldMk cId="613461486" sldId="292"/>
-            <ac:picMk id="5" creationId="{6F7DCD28-EA1B-A91A-47F3-62E6102381B4}"/>
-          </ac:picMkLst>
-        </pc:picChg>
-        <pc:picChg chg="add mod modCrop">
-          <ac:chgData name="남형우" userId="55d21c22-4a22-4b6f-b207-5956ec23e976" providerId="ADAL" clId="{0A5E0328-682D-43F0-9027-E7F0C613DE1A}" dt="2023-09-13T00:45:50.605" v="1554" actId="1076"/>
-          <ac:picMkLst>
-            <pc:docMk/>
-            <pc:sldMk cId="613461486" sldId="292"/>
-            <ac:picMk id="7" creationId="{9D624BA9-DAB3-6432-28CF-C94D9D977D36}"/>
-          </ac:picMkLst>
-        </pc:picChg>
-        <pc:picChg chg="del">
-          <ac:chgData name="남형우" userId="55d21c22-4a22-4b6f-b207-5956ec23e976" providerId="ADAL" clId="{0A5E0328-682D-43F0-9027-E7F0C613DE1A}" dt="2023-09-12T23:13:11.198" v="110" actId="478"/>
-          <ac:picMkLst>
-            <pc:docMk/>
-            <pc:sldMk cId="613461486" sldId="292"/>
-            <ac:picMk id="1026" creationId="{B68D89A1-4303-932F-7735-25F5E800447F}"/>
-          </ac:picMkLst>
-        </pc:picChg>
-      </pc:sldChg>
-      <pc:sldChg chg="addSp delSp modSp new mod">
-        <pc:chgData name="남형우" userId="55d21c22-4a22-4b6f-b207-5956ec23e976" providerId="ADAL" clId="{0A5E0328-682D-43F0-9027-E7F0C613DE1A}" dt="2023-09-13T00:44:56.889" v="1547"/>
-        <pc:sldMkLst>
-          <pc:docMk/>
-          <pc:sldMk cId="1416643700" sldId="293"/>
-        </pc:sldMkLst>
-        <pc:spChg chg="mod">
-          <ac:chgData name="남형우" userId="55d21c22-4a22-4b6f-b207-5956ec23e976" providerId="ADAL" clId="{0A5E0328-682D-43F0-9027-E7F0C613DE1A}" dt="2023-09-13T00:44:56.889" v="1547"/>
-          <ac:spMkLst>
-            <pc:docMk/>
-            <pc:sldMk cId="1416643700" sldId="293"/>
-            <ac:spMk id="2" creationId="{B6428493-E3E2-EC40-F1FA-ADD214BF0DBD}"/>
-          </ac:spMkLst>
-        </pc:spChg>
-        <pc:spChg chg="mod">
-          <ac:chgData name="남형우" userId="55d21c22-4a22-4b6f-b207-5956ec23e976" providerId="ADAL" clId="{0A5E0328-682D-43F0-9027-E7F0C613DE1A}" dt="2023-09-12T23:27:10.754" v="923" actId="20577"/>
-          <ac:spMkLst>
-            <pc:docMk/>
-            <pc:sldMk cId="1416643700" sldId="293"/>
-            <ac:spMk id="3" creationId="{FA4DB13E-F63F-B7EB-40B7-264FA1BE9F2B}"/>
-          </ac:spMkLst>
-        </pc:spChg>
-        <pc:spChg chg="add del">
-          <ac:chgData name="남형우" userId="55d21c22-4a22-4b6f-b207-5956ec23e976" providerId="ADAL" clId="{0A5E0328-682D-43F0-9027-E7F0C613DE1A}" dt="2023-09-12T23:22:43.982" v="687" actId="22"/>
-          <ac:spMkLst>
-            <pc:docMk/>
-            <pc:sldMk cId="1416643700" sldId="293"/>
-            <ac:spMk id="5" creationId="{6473B38F-76ED-4125-A8F5-20CEFCB070B6}"/>
-          </ac:spMkLst>
-        </pc:spChg>
-        <pc:picChg chg="add mod">
-          <ac:chgData name="남형우" userId="55d21c22-4a22-4b6f-b207-5956ec23e976" providerId="ADAL" clId="{0A5E0328-682D-43F0-9027-E7F0C613DE1A}" dt="2023-09-12T23:25:36.873" v="907" actId="1076"/>
-          <ac:picMkLst>
-            <pc:docMk/>
-            <pc:sldMk cId="1416643700" sldId="293"/>
-            <ac:picMk id="7" creationId="{77AF63B7-5EDB-C24A-C40B-C6E32726A68D}"/>
-          </ac:picMkLst>
-        </pc:picChg>
-        <pc:picChg chg="add mod">
-          <ac:chgData name="남형우" userId="55d21c22-4a22-4b6f-b207-5956ec23e976" providerId="ADAL" clId="{0A5E0328-682D-43F0-9027-E7F0C613DE1A}" dt="2023-09-12T23:25:52.380" v="909" actId="1076"/>
-          <ac:picMkLst>
-            <pc:docMk/>
-            <pc:sldMk cId="1416643700" sldId="293"/>
-            <ac:picMk id="9" creationId="{D8DAAC31-05FA-C4A1-0426-696319F85447}"/>
-          </ac:picMkLst>
-        </pc:picChg>
-      </pc:sldChg>
-      <pc:sldChg chg="modSp new mod">
-        <pc:chgData name="남형우" userId="55d21c22-4a22-4b6f-b207-5956ec23e976" providerId="ADAL" clId="{0A5E0328-682D-43F0-9027-E7F0C613DE1A}" dt="2023-09-13T01:21:12.401" v="2318" actId="20578"/>
-        <pc:sldMkLst>
-          <pc:docMk/>
-          <pc:sldMk cId="2039964669" sldId="294"/>
-        </pc:sldMkLst>
-        <pc:spChg chg="mod">
-          <ac:chgData name="남형우" userId="55d21c22-4a22-4b6f-b207-5956ec23e976" providerId="ADAL" clId="{0A5E0328-682D-43F0-9027-E7F0C613DE1A}" dt="2023-09-13T00:44:59.421" v="1548"/>
-          <ac:spMkLst>
-            <pc:docMk/>
-            <pc:sldMk cId="2039964669" sldId="294"/>
-            <ac:spMk id="2" creationId="{2498EEC0-CBAA-6B52-9BE3-25709053249D}"/>
-          </ac:spMkLst>
-        </pc:spChg>
-        <pc:spChg chg="mod">
-          <ac:chgData name="남형우" userId="55d21c22-4a22-4b6f-b207-5956ec23e976" providerId="ADAL" clId="{0A5E0328-682D-43F0-9027-E7F0C613DE1A}" dt="2023-09-13T01:21:12.401" v="2318" actId="20578"/>
-          <ac:spMkLst>
-            <pc:docMk/>
-            <pc:sldMk cId="2039964669" sldId="294"/>
-            <ac:spMk id="3" creationId="{F06662CC-4655-E5F3-57CE-6938D9E81FDC}"/>
-          </ac:spMkLst>
-        </pc:spChg>
-      </pc:sldChg>
-      <pc:sldChg chg="addSp delSp modSp add mod">
-        <pc:chgData name="남형우" userId="55d21c22-4a22-4b6f-b207-5956ec23e976" providerId="ADAL" clId="{0A5E0328-682D-43F0-9027-E7F0C613DE1A}" dt="2023-09-13T00:56:11.461" v="1623" actId="1076"/>
-        <pc:sldMkLst>
-          <pc:docMk/>
-          <pc:sldMk cId="3734577692" sldId="295"/>
-        </pc:sldMkLst>
-        <pc:spChg chg="mod">
-          <ac:chgData name="남형우" userId="55d21c22-4a22-4b6f-b207-5956ec23e976" providerId="ADAL" clId="{0A5E0328-682D-43F0-9027-E7F0C613DE1A}" dt="2023-09-13T00:45:05.792" v="1550"/>
-          <ac:spMkLst>
-            <pc:docMk/>
-            <pc:sldMk cId="3734577692" sldId="295"/>
-            <ac:spMk id="2" creationId="{945AD8BE-8230-CB98-4C66-7AFA57B2EEBC}"/>
-          </ac:spMkLst>
-        </pc:spChg>
-        <pc:spChg chg="add mod">
-          <ac:chgData name="남형우" userId="55d21c22-4a22-4b6f-b207-5956ec23e976" providerId="ADAL" clId="{0A5E0328-682D-43F0-9027-E7F0C613DE1A}" dt="2023-09-13T00:52:47.463" v="1614"/>
-          <ac:spMkLst>
-            <pc:docMk/>
-            <pc:sldMk cId="3734577692" sldId="295"/>
-            <ac:spMk id="7" creationId="{517AE85A-FA4C-7587-0C49-64A93AE08707}"/>
-          </ac:spMkLst>
-        </pc:spChg>
-        <pc:spChg chg="del">
-          <ac:chgData name="남형우" userId="55d21c22-4a22-4b6f-b207-5956ec23e976" providerId="ADAL" clId="{0A5E0328-682D-43F0-9027-E7F0C613DE1A}" dt="2023-09-13T00:39:39.688" v="1497" actId="478"/>
-          <ac:spMkLst>
-            <pc:docMk/>
-            <pc:sldMk cId="3734577692" sldId="295"/>
-            <ac:spMk id="8" creationId="{A3F71E23-BA88-6DFD-98A3-BB3BAE34BA03}"/>
-          </ac:spMkLst>
-        </pc:spChg>
-        <pc:picChg chg="add mod">
-          <ac:chgData name="남형우" userId="55d21c22-4a22-4b6f-b207-5956ec23e976" providerId="ADAL" clId="{0A5E0328-682D-43F0-9027-E7F0C613DE1A}" dt="2023-09-13T00:52:56.668" v="1616" actId="1076"/>
-          <ac:picMkLst>
-            <pc:docMk/>
-            <pc:sldMk cId="3734577692" sldId="295"/>
-            <ac:picMk id="4" creationId="{2B1C4F8F-2C41-C47A-6BBA-9F9746B87E9B}"/>
-          </ac:picMkLst>
-        </pc:picChg>
-        <pc:picChg chg="add del mod">
-          <ac:chgData name="남형우" userId="55d21c22-4a22-4b6f-b207-5956ec23e976" providerId="ADAL" clId="{0A5E0328-682D-43F0-9027-E7F0C613DE1A}" dt="2023-09-13T00:55:41.838" v="1618" actId="478"/>
-          <ac:picMkLst>
-            <pc:docMk/>
-            <pc:sldMk cId="3734577692" sldId="295"/>
-            <ac:picMk id="5" creationId="{B1956313-AEA3-A269-904B-4D94053B6879}"/>
-          </ac:picMkLst>
-        </pc:picChg>
-        <pc:picChg chg="del">
-          <ac:chgData name="남형우" userId="55d21c22-4a22-4b6f-b207-5956ec23e976" providerId="ADAL" clId="{0A5E0328-682D-43F0-9027-E7F0C613DE1A}" dt="2023-09-13T00:39:44.662" v="1499" actId="478"/>
-          <ac:picMkLst>
-            <pc:docMk/>
-            <pc:sldMk cId="3734577692" sldId="295"/>
-            <ac:picMk id="6" creationId="{779275E3-62C8-928B-A0ED-3EF174AACAA2}"/>
-          </ac:picMkLst>
-        </pc:picChg>
-        <pc:picChg chg="add mod">
-          <ac:chgData name="남형우" userId="55d21c22-4a22-4b6f-b207-5956ec23e976" providerId="ADAL" clId="{0A5E0328-682D-43F0-9027-E7F0C613DE1A}" dt="2023-09-13T00:56:11.461" v="1623" actId="1076"/>
-          <ac:picMkLst>
-            <pc:docMk/>
-            <pc:sldMk cId="3734577692" sldId="295"/>
-            <ac:picMk id="10" creationId="{06F4FCCC-5685-D704-AA4E-9336D236C7B1}"/>
-          </ac:picMkLst>
-        </pc:picChg>
-      </pc:sldChg>
-      <pc:sldChg chg="addSp delSp modSp add mod">
-        <pc:chgData name="남형우" userId="55d21c22-4a22-4b6f-b207-5956ec23e976" providerId="ADAL" clId="{0A5E0328-682D-43F0-9027-E7F0C613DE1A}" dt="2023-09-13T00:53:03.537" v="1617" actId="1076"/>
-        <pc:sldMkLst>
-          <pc:docMk/>
-          <pc:sldMk cId="2221518337" sldId="296"/>
-        </pc:sldMkLst>
-        <pc:spChg chg="mod">
-          <ac:chgData name="남형우" userId="55d21c22-4a22-4b6f-b207-5956ec23e976" providerId="ADAL" clId="{0A5E0328-682D-43F0-9027-E7F0C613DE1A}" dt="2023-09-13T00:45:07.763" v="1551"/>
-          <ac:spMkLst>
-            <pc:docMk/>
-            <pc:sldMk cId="2221518337" sldId="296"/>
-            <ac:spMk id="2" creationId="{945AD8BE-8230-CB98-4C66-7AFA57B2EEBC}"/>
-          </ac:spMkLst>
-        </pc:spChg>
-        <pc:spChg chg="add mod">
-          <ac:chgData name="남형우" userId="55d21c22-4a22-4b6f-b207-5956ec23e976" providerId="ADAL" clId="{0A5E0328-682D-43F0-9027-E7F0C613DE1A}" dt="2023-09-13T00:52:48.385" v="1615"/>
-          <ac:spMkLst>
-            <pc:docMk/>
-            <pc:sldMk cId="2221518337" sldId="296"/>
-            <ac:spMk id="5" creationId="{5381E11B-8BD7-18D8-9E5F-BB9DB6473A2F}"/>
-          </ac:spMkLst>
-        </pc:spChg>
-        <pc:spChg chg="del">
-          <ac:chgData name="남형우" userId="55d21c22-4a22-4b6f-b207-5956ec23e976" providerId="ADAL" clId="{0A5E0328-682D-43F0-9027-E7F0C613DE1A}" dt="2023-09-13T00:39:42.277" v="1498" actId="478"/>
-          <ac:spMkLst>
-            <pc:docMk/>
-            <pc:sldMk cId="2221518337" sldId="296"/>
-            <ac:spMk id="8" creationId="{A3F71E23-BA88-6DFD-98A3-BB3BAE34BA03}"/>
-          </ac:spMkLst>
-        </pc:spChg>
-        <pc:picChg chg="add mod modCrop">
-          <ac:chgData name="남형우" userId="55d21c22-4a22-4b6f-b207-5956ec23e976" providerId="ADAL" clId="{0A5E0328-682D-43F0-9027-E7F0C613DE1A}" dt="2023-09-13T00:53:03.537" v="1617" actId="1076"/>
-          <ac:picMkLst>
-            <pc:docMk/>
-            <pc:sldMk cId="2221518337" sldId="296"/>
-            <ac:picMk id="4" creationId="{C9B6E8EB-D763-3DA5-2C4D-C679681E06E7}"/>
-          </ac:picMkLst>
-        </pc:picChg>
-        <pc:picChg chg="del">
-          <ac:chgData name="남형우" userId="55d21c22-4a22-4b6f-b207-5956ec23e976" providerId="ADAL" clId="{0A5E0328-682D-43F0-9027-E7F0C613DE1A}" dt="2023-09-13T00:40:06.741" v="1501" actId="478"/>
-          <ac:picMkLst>
-            <pc:docMk/>
-            <pc:sldMk cId="2221518337" sldId="296"/>
-            <ac:picMk id="6" creationId="{779275E3-62C8-928B-A0ED-3EF174AACAA2}"/>
-          </ac:picMkLst>
-        </pc:picChg>
-      </pc:sldChg>
-      <pc:sldChg chg="add del">
-        <pc:chgData name="남형우" userId="55d21c22-4a22-4b6f-b207-5956ec23e976" providerId="ADAL" clId="{0A5E0328-682D-43F0-9027-E7F0C613DE1A}" dt="2023-09-13T01:30:28.068" v="2319" actId="47"/>
-        <pc:sldMkLst>
-          <pc:docMk/>
-          <pc:sldMk cId="2776556830" sldId="297"/>
-        </pc:sldMkLst>
-      </pc:sldChg>
-      <pc:sldChg chg="addSp modSp new mod ord">
-        <pc:chgData name="남형우" userId="55d21c22-4a22-4b6f-b207-5956ec23e976" providerId="ADAL" clId="{0A5E0328-682D-43F0-9027-E7F0C613DE1A}" dt="2023-09-13T03:32:26.236" v="2960"/>
-        <pc:sldMkLst>
-          <pc:docMk/>
-          <pc:sldMk cId="4238337369" sldId="297"/>
-        </pc:sldMkLst>
-        <pc:spChg chg="mod">
-          <ac:chgData name="남형우" userId="55d21c22-4a22-4b6f-b207-5956ec23e976" providerId="ADAL" clId="{0A5E0328-682D-43F0-9027-E7F0C613DE1A}" dt="2023-09-13T03:27:15.246" v="2643"/>
-          <ac:spMkLst>
-            <pc:docMk/>
-            <pc:sldMk cId="4238337369" sldId="297"/>
-            <ac:spMk id="2" creationId="{5FDDB865-9A07-41C5-D6DD-023BBD23EFFD}"/>
-          </ac:spMkLst>
-        </pc:spChg>
-        <pc:spChg chg="mod">
-          <ac:chgData name="남형우" userId="55d21c22-4a22-4b6f-b207-5956ec23e976" providerId="ADAL" clId="{0A5E0328-682D-43F0-9027-E7F0C613DE1A}" dt="2023-09-13T03:29:31.019" v="2818" actId="20577"/>
-          <ac:spMkLst>
-            <pc:docMk/>
-            <pc:sldMk cId="4238337369" sldId="297"/>
-            <ac:spMk id="3" creationId="{CB9C0888-AA9D-1016-6512-56699AE8BEA1}"/>
-          </ac:spMkLst>
-        </pc:spChg>
-        <pc:picChg chg="add mod">
-          <ac:chgData name="남형우" userId="55d21c22-4a22-4b6f-b207-5956ec23e976" providerId="ADAL" clId="{0A5E0328-682D-43F0-9027-E7F0C613DE1A}" dt="2023-09-13T03:29:42.240" v="2820" actId="1076"/>
-          <ac:picMkLst>
-            <pc:docMk/>
-            <pc:sldMk cId="4238337369" sldId="297"/>
-            <ac:picMk id="5" creationId="{77A187BF-5684-799D-F945-6B70149D73C4}"/>
-          </ac:picMkLst>
-        </pc:picChg>
-      </pc:sldChg>
-    </pc:docChg>
-  </pc:docChgLst>
-  <pc:docChgLst>
     <pc:chgData name="남형우" userId="55d21c22-4a22-4b6f-b207-5956ec23e976" providerId="ADAL" clId="{00B243BD-076F-422C-8B5E-77F3E4DB6723}"/>
     <pc:docChg chg="undo custSel addSld delSld modSld">
       <pc:chgData name="남형우" userId="55d21c22-4a22-4b6f-b207-5956ec23e976" providerId="ADAL" clId="{00B243BD-076F-422C-8B5E-77F3E4DB6723}" dt="2023-09-20T04:03:11.140" v="710" actId="2696"/>
@@ -1697,6 +933,770 @@
           <pc:docMk/>
           <pc:sldMk cId="695548917" sldId="301"/>
         </pc:sldMkLst>
+      </pc:sldChg>
+    </pc:docChg>
+  </pc:docChgLst>
+  <pc:docChgLst>
+    <pc:chgData name="남형우" userId="55d21c22-4a22-4b6f-b207-5956ec23e976" providerId="ADAL" clId="{0A5E0328-682D-43F0-9027-E7F0C613DE1A}"/>
+    <pc:docChg chg="undo custSel addSld delSld modSld sldOrd">
+      <pc:chgData name="남형우" userId="55d21c22-4a22-4b6f-b207-5956ec23e976" providerId="ADAL" clId="{0A5E0328-682D-43F0-9027-E7F0C613DE1A}" dt="2023-09-13T03:43:39.856" v="2984" actId="47"/>
+      <pc:docMkLst>
+        <pc:docMk/>
+      </pc:docMkLst>
+      <pc:sldChg chg="del">
+        <pc:chgData name="남형우" userId="55d21c22-4a22-4b6f-b207-5956ec23e976" providerId="ADAL" clId="{0A5E0328-682D-43F0-9027-E7F0C613DE1A}" dt="2023-09-13T03:43:37.364" v="2981" actId="47"/>
+        <pc:sldMkLst>
+          <pc:docMk/>
+          <pc:sldMk cId="237750354" sldId="282"/>
+        </pc:sldMkLst>
+      </pc:sldChg>
+      <pc:sldChg chg="del">
+        <pc:chgData name="남형우" userId="55d21c22-4a22-4b6f-b207-5956ec23e976" providerId="ADAL" clId="{0A5E0328-682D-43F0-9027-E7F0C613DE1A}" dt="2023-09-13T03:43:38.387" v="2982" actId="47"/>
+        <pc:sldMkLst>
+          <pc:docMk/>
+          <pc:sldMk cId="3514421801" sldId="283"/>
+        </pc:sldMkLst>
+      </pc:sldChg>
+      <pc:sldChg chg="del">
+        <pc:chgData name="남형우" userId="55d21c22-4a22-4b6f-b207-5956ec23e976" providerId="ADAL" clId="{0A5E0328-682D-43F0-9027-E7F0C613DE1A}" dt="2023-09-13T03:43:39" v="2983" actId="47"/>
+        <pc:sldMkLst>
+          <pc:docMk/>
+          <pc:sldMk cId="2156460152" sldId="284"/>
+        </pc:sldMkLst>
+      </pc:sldChg>
+      <pc:sldChg chg="del">
+        <pc:chgData name="남형우" userId="55d21c22-4a22-4b6f-b207-5956ec23e976" providerId="ADAL" clId="{0A5E0328-682D-43F0-9027-E7F0C613DE1A}" dt="2023-09-13T03:43:39.856" v="2984" actId="47"/>
+        <pc:sldMkLst>
+          <pc:docMk/>
+          <pc:sldMk cId="769941606" sldId="286"/>
+        </pc:sldMkLst>
+      </pc:sldChg>
+      <pc:sldChg chg="addSp modSp mod modAnim">
+        <pc:chgData name="남형우" userId="55d21c22-4a22-4b6f-b207-5956ec23e976" providerId="ADAL" clId="{0A5E0328-682D-43F0-9027-E7F0C613DE1A}" dt="2023-09-13T03:30:42.893" v="2826"/>
+        <pc:sldMkLst>
+          <pc:docMk/>
+          <pc:sldMk cId="580013428" sldId="287"/>
+        </pc:sldMkLst>
+        <pc:spChg chg="mod">
+          <ac:chgData name="남형우" userId="55d21c22-4a22-4b6f-b207-5956ec23e976" providerId="ADAL" clId="{0A5E0328-682D-43F0-9027-E7F0C613DE1A}" dt="2023-09-12T18:19:43.368" v="2366" actId="20577"/>
+          <ac:spMkLst>
+            <pc:docMk/>
+            <pc:sldMk cId="580013428" sldId="287"/>
+            <ac:spMk id="2" creationId="{5037DFCA-8137-9BCE-B091-C6E446D3637D}"/>
+          </ac:spMkLst>
+        </pc:spChg>
+        <pc:spChg chg="mod">
+          <ac:chgData name="남형우" userId="55d21c22-4a22-4b6f-b207-5956ec23e976" providerId="ADAL" clId="{0A5E0328-682D-43F0-9027-E7F0C613DE1A}" dt="2023-09-13T03:25:35.920" v="2635" actId="20577"/>
+          <ac:spMkLst>
+            <pc:docMk/>
+            <pc:sldMk cId="580013428" sldId="287"/>
+            <ac:spMk id="3" creationId="{058F58F0-D02C-55EC-6072-65FF05BEF0BB}"/>
+          </ac:spMkLst>
+        </pc:spChg>
+        <pc:picChg chg="add mod">
+          <ac:chgData name="남형우" userId="55d21c22-4a22-4b6f-b207-5956ec23e976" providerId="ADAL" clId="{0A5E0328-682D-43F0-9027-E7F0C613DE1A}" dt="2023-09-13T03:29:58.640" v="2822" actId="14100"/>
+          <ac:picMkLst>
+            <pc:docMk/>
+            <pc:sldMk cId="580013428" sldId="287"/>
+            <ac:picMk id="4" creationId="{7E7D6FB1-37E4-F007-DF11-83E362DCE0A0}"/>
+          </ac:picMkLst>
+        </pc:picChg>
+      </pc:sldChg>
+      <pc:sldChg chg="addSp delSp modSp del mod ord">
+        <pc:chgData name="남형우" userId="55d21c22-4a22-4b6f-b207-5956ec23e976" providerId="ADAL" clId="{0A5E0328-682D-43F0-9027-E7F0C613DE1A}" dt="2023-09-13T03:43:34.880" v="2980" actId="47"/>
+        <pc:sldMkLst>
+          <pc:docMk/>
+          <pc:sldMk cId="983432459" sldId="288"/>
+        </pc:sldMkLst>
+        <pc:spChg chg="mod">
+          <ac:chgData name="남형우" userId="55d21c22-4a22-4b6f-b207-5956ec23e976" providerId="ADAL" clId="{0A5E0328-682D-43F0-9027-E7F0C613DE1A}" dt="2023-09-13T00:44:46.920" v="1544" actId="20577"/>
+          <ac:spMkLst>
+            <pc:docMk/>
+            <pc:sldMk cId="983432459" sldId="288"/>
+            <ac:spMk id="2" creationId="{23F1EEE6-35E0-C8BE-FA0E-12AC48F44B31}"/>
+          </ac:spMkLst>
+        </pc:spChg>
+        <pc:spChg chg="del mod">
+          <ac:chgData name="남형우" userId="55d21c22-4a22-4b6f-b207-5956ec23e976" providerId="ADAL" clId="{0A5E0328-682D-43F0-9027-E7F0C613DE1A}" dt="2023-09-13T00:36:29.475" v="1473" actId="478"/>
+          <ac:spMkLst>
+            <pc:docMk/>
+            <pc:sldMk cId="983432459" sldId="288"/>
+            <ac:spMk id="3" creationId="{3D1A96C1-C1D4-77A3-BCFE-C3DBBAC98BC1}"/>
+          </ac:spMkLst>
+        </pc:spChg>
+        <pc:spChg chg="add del mod">
+          <ac:chgData name="남형우" userId="55d21c22-4a22-4b6f-b207-5956ec23e976" providerId="ADAL" clId="{0A5E0328-682D-43F0-9027-E7F0C613DE1A}" dt="2023-09-13T00:36:31.936" v="1474" actId="478"/>
+          <ac:spMkLst>
+            <pc:docMk/>
+            <pc:sldMk cId="983432459" sldId="288"/>
+            <ac:spMk id="5" creationId="{219D9403-D7AD-C843-0873-C80576C8B9B8}"/>
+          </ac:spMkLst>
+        </pc:spChg>
+        <pc:spChg chg="add mod">
+          <ac:chgData name="남형우" userId="55d21c22-4a22-4b6f-b207-5956ec23e976" providerId="ADAL" clId="{0A5E0328-682D-43F0-9027-E7F0C613DE1A}" dt="2023-09-13T01:16:10.556" v="2316" actId="113"/>
+          <ac:spMkLst>
+            <pc:docMk/>
+            <pc:sldMk cId="983432459" sldId="288"/>
+            <ac:spMk id="6" creationId="{9BA6ADA9-7C6D-4D40-B99A-C75ACAA9E878}"/>
+          </ac:spMkLst>
+        </pc:spChg>
+        <pc:picChg chg="del mod">
+          <ac:chgData name="남형우" userId="55d21c22-4a22-4b6f-b207-5956ec23e976" providerId="ADAL" clId="{0A5E0328-682D-43F0-9027-E7F0C613DE1A}" dt="2023-09-13T01:03:30.095" v="1625" actId="478"/>
+          <ac:picMkLst>
+            <pc:docMk/>
+            <pc:sldMk cId="983432459" sldId="288"/>
+            <ac:picMk id="10" creationId="{19FA24B7-C55C-8A8B-6632-9EA21FA6A826}"/>
+          </ac:picMkLst>
+        </pc:picChg>
+      </pc:sldChg>
+      <pc:sldChg chg="modSp mod ord">
+        <pc:chgData name="남형우" userId="55d21c22-4a22-4b6f-b207-5956ec23e976" providerId="ADAL" clId="{0A5E0328-682D-43F0-9027-E7F0C613DE1A}" dt="2023-09-13T03:42:18.578" v="2979"/>
+        <pc:sldMkLst>
+          <pc:docMk/>
+          <pc:sldMk cId="4273145799" sldId="289"/>
+        </pc:sldMkLst>
+        <pc:spChg chg="mod">
+          <ac:chgData name="남형우" userId="55d21c22-4a22-4b6f-b207-5956ec23e976" providerId="ADAL" clId="{0A5E0328-682D-43F0-9027-E7F0C613DE1A}" dt="2023-09-13T03:42:18.578" v="2979"/>
+          <ac:spMkLst>
+            <pc:docMk/>
+            <pc:sldMk cId="4273145799" sldId="289"/>
+            <ac:spMk id="3" creationId="{6C8A20C5-7C45-1A53-39E5-3AF86D088977}"/>
+          </ac:spMkLst>
+        </pc:spChg>
+      </pc:sldChg>
+      <pc:sldChg chg="addSp delSp modSp mod">
+        <pc:chgData name="남형우" userId="55d21c22-4a22-4b6f-b207-5956ec23e976" providerId="ADAL" clId="{0A5E0328-682D-43F0-9027-E7F0C613DE1A}" dt="2023-09-13T00:52:45.302" v="1613" actId="1076"/>
+        <pc:sldMkLst>
+          <pc:docMk/>
+          <pc:sldMk cId="1959928122" sldId="290"/>
+        </pc:sldMkLst>
+        <pc:spChg chg="mod">
+          <ac:chgData name="남형우" userId="55d21c22-4a22-4b6f-b207-5956ec23e976" providerId="ADAL" clId="{0A5E0328-682D-43F0-9027-E7F0C613DE1A}" dt="2023-09-13T00:45:01.947" v="1549"/>
+          <ac:spMkLst>
+            <pc:docMk/>
+            <pc:sldMk cId="1959928122" sldId="290"/>
+            <ac:spMk id="2" creationId="{945AD8BE-8230-CB98-4C66-7AFA57B2EEBC}"/>
+          </ac:spMkLst>
+        </pc:spChg>
+        <pc:spChg chg="del">
+          <ac:chgData name="남형우" userId="55d21c22-4a22-4b6f-b207-5956ec23e976" providerId="ADAL" clId="{0A5E0328-682D-43F0-9027-E7F0C613DE1A}" dt="2023-09-13T00:39:24.107" v="1493" actId="478"/>
+          <ac:spMkLst>
+            <pc:docMk/>
+            <pc:sldMk cId="1959928122" sldId="290"/>
+            <ac:spMk id="3" creationId="{5440FC30-F452-DBA7-B976-100A55E93B4B}"/>
+          </ac:spMkLst>
+        </pc:spChg>
+        <pc:spChg chg="add del mod">
+          <ac:chgData name="남형우" userId="55d21c22-4a22-4b6f-b207-5956ec23e976" providerId="ADAL" clId="{0A5E0328-682D-43F0-9027-E7F0C613DE1A}" dt="2023-09-13T00:39:37.752" v="1496" actId="478"/>
+          <ac:spMkLst>
+            <pc:docMk/>
+            <pc:sldMk cId="1959928122" sldId="290"/>
+            <ac:spMk id="8" creationId="{A3F71E23-BA88-6DFD-98A3-BB3BAE34BA03}"/>
+          </ac:spMkLst>
+        </pc:spChg>
+        <pc:spChg chg="add mod">
+          <ac:chgData name="남형우" userId="55d21c22-4a22-4b6f-b207-5956ec23e976" providerId="ADAL" clId="{0A5E0328-682D-43F0-9027-E7F0C613DE1A}" dt="2023-09-13T00:52:45.302" v="1613" actId="1076"/>
+          <ac:spMkLst>
+            <pc:docMk/>
+            <pc:sldMk cId="1959928122" sldId="290"/>
+            <ac:spMk id="10" creationId="{C61CEF48-0E2C-F2B3-6705-2832E3278029}"/>
+          </ac:spMkLst>
+        </pc:spChg>
+        <pc:picChg chg="del">
+          <ac:chgData name="남형우" userId="55d21c22-4a22-4b6f-b207-5956ec23e976" providerId="ADAL" clId="{0A5E0328-682D-43F0-9027-E7F0C613DE1A}" dt="2023-09-13T00:39:14.881" v="1491" actId="478"/>
+          <ac:picMkLst>
+            <pc:docMk/>
+            <pc:sldMk cId="1959928122" sldId="290"/>
+            <ac:picMk id="5" creationId="{AA5143BF-B409-BB93-550F-8FA66FBEF20D}"/>
+          </ac:picMkLst>
+        </pc:picChg>
+        <pc:picChg chg="add">
+          <ac:chgData name="남형우" userId="55d21c22-4a22-4b6f-b207-5956ec23e976" providerId="ADAL" clId="{0A5E0328-682D-43F0-9027-E7F0C613DE1A}" dt="2023-09-13T00:39:15.764" v="1492" actId="22"/>
+          <ac:picMkLst>
+            <pc:docMk/>
+            <pc:sldMk cId="1959928122" sldId="290"/>
+            <ac:picMk id="6" creationId="{779275E3-62C8-928B-A0ED-3EF174AACAA2}"/>
+          </ac:picMkLst>
+        </pc:picChg>
+      </pc:sldChg>
+      <pc:sldChg chg="addSp modSp mod">
+        <pc:chgData name="남형우" userId="55d21c22-4a22-4b6f-b207-5956ec23e976" providerId="ADAL" clId="{0A5E0328-682D-43F0-9027-E7F0C613DE1A}" dt="2023-09-13T00:44:51.696" v="1545"/>
+        <pc:sldMkLst>
+          <pc:docMk/>
+          <pc:sldMk cId="570196863" sldId="291"/>
+        </pc:sldMkLst>
+        <pc:spChg chg="mod">
+          <ac:chgData name="남형우" userId="55d21c22-4a22-4b6f-b207-5956ec23e976" providerId="ADAL" clId="{0A5E0328-682D-43F0-9027-E7F0C613DE1A}" dt="2023-09-13T00:44:51.696" v="1545"/>
+          <ac:spMkLst>
+            <pc:docMk/>
+            <pc:sldMk cId="570196863" sldId="291"/>
+            <ac:spMk id="2" creationId="{EF86EFDF-5831-4A5C-70C4-81E08E491C21}"/>
+          </ac:spMkLst>
+        </pc:spChg>
+        <pc:spChg chg="mod">
+          <ac:chgData name="남형우" userId="55d21c22-4a22-4b6f-b207-5956ec23e976" providerId="ADAL" clId="{0A5E0328-682D-43F0-9027-E7F0C613DE1A}" dt="2023-09-12T23:09:53.212" v="106"/>
+          <ac:spMkLst>
+            <pc:docMk/>
+            <pc:sldMk cId="570196863" sldId="291"/>
+            <ac:spMk id="3" creationId="{F9437826-1146-9824-53D4-C33BDE9C6E31}"/>
+          </ac:spMkLst>
+        </pc:spChg>
+        <pc:picChg chg="add mod">
+          <ac:chgData name="남형우" userId="55d21c22-4a22-4b6f-b207-5956ec23e976" providerId="ADAL" clId="{0A5E0328-682D-43F0-9027-E7F0C613DE1A}" dt="2023-09-13T00:37:03.313" v="1482" actId="1076"/>
+          <ac:picMkLst>
+            <pc:docMk/>
+            <pc:sldMk cId="570196863" sldId="291"/>
+            <ac:picMk id="1026" creationId="{B68D89A1-4303-932F-7735-25F5E800447F}"/>
+          </ac:picMkLst>
+        </pc:picChg>
+      </pc:sldChg>
+      <pc:sldChg chg="addSp delSp modSp add mod">
+        <pc:chgData name="남형우" userId="55d21c22-4a22-4b6f-b207-5956ec23e976" providerId="ADAL" clId="{0A5E0328-682D-43F0-9027-E7F0C613DE1A}" dt="2023-09-13T01:38:58.071" v="2337"/>
+        <pc:sldMkLst>
+          <pc:docMk/>
+          <pc:sldMk cId="613461486" sldId="292"/>
+        </pc:sldMkLst>
+        <pc:spChg chg="mod">
+          <ac:chgData name="남형우" userId="55d21c22-4a22-4b6f-b207-5956ec23e976" providerId="ADAL" clId="{0A5E0328-682D-43F0-9027-E7F0C613DE1A}" dt="2023-09-13T00:44:53.943" v="1546"/>
+          <ac:spMkLst>
+            <pc:docMk/>
+            <pc:sldMk cId="613461486" sldId="292"/>
+            <ac:spMk id="2" creationId="{EF86EFDF-5831-4A5C-70C4-81E08E491C21}"/>
+          </ac:spMkLst>
+        </pc:spChg>
+        <pc:spChg chg="mod">
+          <ac:chgData name="남형우" userId="55d21c22-4a22-4b6f-b207-5956ec23e976" providerId="ADAL" clId="{0A5E0328-682D-43F0-9027-E7F0C613DE1A}" dt="2023-09-13T01:38:58.071" v="2337"/>
+          <ac:spMkLst>
+            <pc:docMk/>
+            <pc:sldMk cId="613461486" sldId="292"/>
+            <ac:spMk id="3" creationId="{F9437826-1146-9824-53D4-C33BDE9C6E31}"/>
+          </ac:spMkLst>
+        </pc:spChg>
+        <pc:spChg chg="add mod">
+          <ac:chgData name="남형우" userId="55d21c22-4a22-4b6f-b207-5956ec23e976" providerId="ADAL" clId="{0A5E0328-682D-43F0-9027-E7F0C613DE1A}" dt="2023-09-13T00:37:35.186" v="1489" actId="164"/>
+          <ac:spMkLst>
+            <pc:docMk/>
+            <pc:sldMk cId="613461486" sldId="292"/>
+            <ac:spMk id="8" creationId="{55A37964-75B1-D070-A463-CEB8B21EB6E3}"/>
+          </ac:spMkLst>
+        </pc:spChg>
+        <pc:grpChg chg="add mod">
+          <ac:chgData name="남형우" userId="55d21c22-4a22-4b6f-b207-5956ec23e976" providerId="ADAL" clId="{0A5E0328-682D-43F0-9027-E7F0C613DE1A}" dt="2023-09-13T00:45:54.087" v="1555" actId="1076"/>
+          <ac:grpSpMkLst>
+            <pc:docMk/>
+            <pc:sldMk cId="613461486" sldId="292"/>
+            <ac:grpSpMk id="9" creationId="{E213C8D7-A42A-DB72-3D3A-5B2756915041}"/>
+          </ac:grpSpMkLst>
+        </pc:grpChg>
+        <pc:picChg chg="add mod modCrop">
+          <ac:chgData name="남형우" userId="55d21c22-4a22-4b6f-b207-5956ec23e976" providerId="ADAL" clId="{0A5E0328-682D-43F0-9027-E7F0C613DE1A}" dt="2023-09-13T00:37:35.186" v="1489" actId="164"/>
+          <ac:picMkLst>
+            <pc:docMk/>
+            <pc:sldMk cId="613461486" sldId="292"/>
+            <ac:picMk id="5" creationId="{6F7DCD28-EA1B-A91A-47F3-62E6102381B4}"/>
+          </ac:picMkLst>
+        </pc:picChg>
+        <pc:picChg chg="add mod modCrop">
+          <ac:chgData name="남형우" userId="55d21c22-4a22-4b6f-b207-5956ec23e976" providerId="ADAL" clId="{0A5E0328-682D-43F0-9027-E7F0C613DE1A}" dt="2023-09-13T00:45:50.605" v="1554" actId="1076"/>
+          <ac:picMkLst>
+            <pc:docMk/>
+            <pc:sldMk cId="613461486" sldId="292"/>
+            <ac:picMk id="7" creationId="{9D624BA9-DAB3-6432-28CF-C94D9D977D36}"/>
+          </ac:picMkLst>
+        </pc:picChg>
+        <pc:picChg chg="del">
+          <ac:chgData name="남형우" userId="55d21c22-4a22-4b6f-b207-5956ec23e976" providerId="ADAL" clId="{0A5E0328-682D-43F0-9027-E7F0C613DE1A}" dt="2023-09-12T23:13:11.198" v="110" actId="478"/>
+          <ac:picMkLst>
+            <pc:docMk/>
+            <pc:sldMk cId="613461486" sldId="292"/>
+            <ac:picMk id="1026" creationId="{B68D89A1-4303-932F-7735-25F5E800447F}"/>
+          </ac:picMkLst>
+        </pc:picChg>
+      </pc:sldChg>
+      <pc:sldChg chg="addSp delSp modSp new mod">
+        <pc:chgData name="남형우" userId="55d21c22-4a22-4b6f-b207-5956ec23e976" providerId="ADAL" clId="{0A5E0328-682D-43F0-9027-E7F0C613DE1A}" dt="2023-09-13T00:44:56.889" v="1547"/>
+        <pc:sldMkLst>
+          <pc:docMk/>
+          <pc:sldMk cId="1416643700" sldId="293"/>
+        </pc:sldMkLst>
+        <pc:spChg chg="mod">
+          <ac:chgData name="남형우" userId="55d21c22-4a22-4b6f-b207-5956ec23e976" providerId="ADAL" clId="{0A5E0328-682D-43F0-9027-E7F0C613DE1A}" dt="2023-09-13T00:44:56.889" v="1547"/>
+          <ac:spMkLst>
+            <pc:docMk/>
+            <pc:sldMk cId="1416643700" sldId="293"/>
+            <ac:spMk id="2" creationId="{B6428493-E3E2-EC40-F1FA-ADD214BF0DBD}"/>
+          </ac:spMkLst>
+        </pc:spChg>
+        <pc:spChg chg="mod">
+          <ac:chgData name="남형우" userId="55d21c22-4a22-4b6f-b207-5956ec23e976" providerId="ADAL" clId="{0A5E0328-682D-43F0-9027-E7F0C613DE1A}" dt="2023-09-12T23:27:10.754" v="923" actId="20577"/>
+          <ac:spMkLst>
+            <pc:docMk/>
+            <pc:sldMk cId="1416643700" sldId="293"/>
+            <ac:spMk id="3" creationId="{FA4DB13E-F63F-B7EB-40B7-264FA1BE9F2B}"/>
+          </ac:spMkLst>
+        </pc:spChg>
+        <pc:spChg chg="add del">
+          <ac:chgData name="남형우" userId="55d21c22-4a22-4b6f-b207-5956ec23e976" providerId="ADAL" clId="{0A5E0328-682D-43F0-9027-E7F0C613DE1A}" dt="2023-09-12T23:22:43.982" v="687" actId="22"/>
+          <ac:spMkLst>
+            <pc:docMk/>
+            <pc:sldMk cId="1416643700" sldId="293"/>
+            <ac:spMk id="5" creationId="{6473B38F-76ED-4125-A8F5-20CEFCB070B6}"/>
+          </ac:spMkLst>
+        </pc:spChg>
+        <pc:picChg chg="add mod">
+          <ac:chgData name="남형우" userId="55d21c22-4a22-4b6f-b207-5956ec23e976" providerId="ADAL" clId="{0A5E0328-682D-43F0-9027-E7F0C613DE1A}" dt="2023-09-12T23:25:36.873" v="907" actId="1076"/>
+          <ac:picMkLst>
+            <pc:docMk/>
+            <pc:sldMk cId="1416643700" sldId="293"/>
+            <ac:picMk id="7" creationId="{77AF63B7-5EDB-C24A-C40B-C6E32726A68D}"/>
+          </ac:picMkLst>
+        </pc:picChg>
+        <pc:picChg chg="add mod">
+          <ac:chgData name="남형우" userId="55d21c22-4a22-4b6f-b207-5956ec23e976" providerId="ADAL" clId="{0A5E0328-682D-43F0-9027-E7F0C613DE1A}" dt="2023-09-12T23:25:52.380" v="909" actId="1076"/>
+          <ac:picMkLst>
+            <pc:docMk/>
+            <pc:sldMk cId="1416643700" sldId="293"/>
+            <ac:picMk id="9" creationId="{D8DAAC31-05FA-C4A1-0426-696319F85447}"/>
+          </ac:picMkLst>
+        </pc:picChg>
+      </pc:sldChg>
+      <pc:sldChg chg="modSp new mod">
+        <pc:chgData name="남형우" userId="55d21c22-4a22-4b6f-b207-5956ec23e976" providerId="ADAL" clId="{0A5E0328-682D-43F0-9027-E7F0C613DE1A}" dt="2023-09-13T01:21:12.401" v="2318" actId="20578"/>
+        <pc:sldMkLst>
+          <pc:docMk/>
+          <pc:sldMk cId="2039964669" sldId="294"/>
+        </pc:sldMkLst>
+        <pc:spChg chg="mod">
+          <ac:chgData name="남형우" userId="55d21c22-4a22-4b6f-b207-5956ec23e976" providerId="ADAL" clId="{0A5E0328-682D-43F0-9027-E7F0C613DE1A}" dt="2023-09-13T00:44:59.421" v="1548"/>
+          <ac:spMkLst>
+            <pc:docMk/>
+            <pc:sldMk cId="2039964669" sldId="294"/>
+            <ac:spMk id="2" creationId="{2498EEC0-CBAA-6B52-9BE3-25709053249D}"/>
+          </ac:spMkLst>
+        </pc:spChg>
+        <pc:spChg chg="mod">
+          <ac:chgData name="남형우" userId="55d21c22-4a22-4b6f-b207-5956ec23e976" providerId="ADAL" clId="{0A5E0328-682D-43F0-9027-E7F0C613DE1A}" dt="2023-09-13T01:21:12.401" v="2318" actId="20578"/>
+          <ac:spMkLst>
+            <pc:docMk/>
+            <pc:sldMk cId="2039964669" sldId="294"/>
+            <ac:spMk id="3" creationId="{F06662CC-4655-E5F3-57CE-6938D9E81FDC}"/>
+          </ac:spMkLst>
+        </pc:spChg>
+      </pc:sldChg>
+      <pc:sldChg chg="addSp delSp modSp add mod">
+        <pc:chgData name="남형우" userId="55d21c22-4a22-4b6f-b207-5956ec23e976" providerId="ADAL" clId="{0A5E0328-682D-43F0-9027-E7F0C613DE1A}" dt="2023-09-13T00:56:11.461" v="1623" actId="1076"/>
+        <pc:sldMkLst>
+          <pc:docMk/>
+          <pc:sldMk cId="3734577692" sldId="295"/>
+        </pc:sldMkLst>
+        <pc:spChg chg="mod">
+          <ac:chgData name="남형우" userId="55d21c22-4a22-4b6f-b207-5956ec23e976" providerId="ADAL" clId="{0A5E0328-682D-43F0-9027-E7F0C613DE1A}" dt="2023-09-13T00:45:05.792" v="1550"/>
+          <ac:spMkLst>
+            <pc:docMk/>
+            <pc:sldMk cId="3734577692" sldId="295"/>
+            <ac:spMk id="2" creationId="{945AD8BE-8230-CB98-4C66-7AFA57B2EEBC}"/>
+          </ac:spMkLst>
+        </pc:spChg>
+        <pc:spChg chg="add mod">
+          <ac:chgData name="남형우" userId="55d21c22-4a22-4b6f-b207-5956ec23e976" providerId="ADAL" clId="{0A5E0328-682D-43F0-9027-E7F0C613DE1A}" dt="2023-09-13T00:52:47.463" v="1614"/>
+          <ac:spMkLst>
+            <pc:docMk/>
+            <pc:sldMk cId="3734577692" sldId="295"/>
+            <ac:spMk id="7" creationId="{517AE85A-FA4C-7587-0C49-64A93AE08707}"/>
+          </ac:spMkLst>
+        </pc:spChg>
+        <pc:spChg chg="del">
+          <ac:chgData name="남형우" userId="55d21c22-4a22-4b6f-b207-5956ec23e976" providerId="ADAL" clId="{0A5E0328-682D-43F0-9027-E7F0C613DE1A}" dt="2023-09-13T00:39:39.688" v="1497" actId="478"/>
+          <ac:spMkLst>
+            <pc:docMk/>
+            <pc:sldMk cId="3734577692" sldId="295"/>
+            <ac:spMk id="8" creationId="{A3F71E23-BA88-6DFD-98A3-BB3BAE34BA03}"/>
+          </ac:spMkLst>
+        </pc:spChg>
+        <pc:picChg chg="add mod">
+          <ac:chgData name="남형우" userId="55d21c22-4a22-4b6f-b207-5956ec23e976" providerId="ADAL" clId="{0A5E0328-682D-43F0-9027-E7F0C613DE1A}" dt="2023-09-13T00:52:56.668" v="1616" actId="1076"/>
+          <ac:picMkLst>
+            <pc:docMk/>
+            <pc:sldMk cId="3734577692" sldId="295"/>
+            <ac:picMk id="4" creationId="{2B1C4F8F-2C41-C47A-6BBA-9F9746B87E9B}"/>
+          </ac:picMkLst>
+        </pc:picChg>
+        <pc:picChg chg="add del mod">
+          <ac:chgData name="남형우" userId="55d21c22-4a22-4b6f-b207-5956ec23e976" providerId="ADAL" clId="{0A5E0328-682D-43F0-9027-E7F0C613DE1A}" dt="2023-09-13T00:55:41.838" v="1618" actId="478"/>
+          <ac:picMkLst>
+            <pc:docMk/>
+            <pc:sldMk cId="3734577692" sldId="295"/>
+            <ac:picMk id="5" creationId="{B1956313-AEA3-A269-904B-4D94053B6879}"/>
+          </ac:picMkLst>
+        </pc:picChg>
+        <pc:picChg chg="del">
+          <ac:chgData name="남형우" userId="55d21c22-4a22-4b6f-b207-5956ec23e976" providerId="ADAL" clId="{0A5E0328-682D-43F0-9027-E7F0C613DE1A}" dt="2023-09-13T00:39:44.662" v="1499" actId="478"/>
+          <ac:picMkLst>
+            <pc:docMk/>
+            <pc:sldMk cId="3734577692" sldId="295"/>
+            <ac:picMk id="6" creationId="{779275E3-62C8-928B-A0ED-3EF174AACAA2}"/>
+          </ac:picMkLst>
+        </pc:picChg>
+        <pc:picChg chg="add mod">
+          <ac:chgData name="남형우" userId="55d21c22-4a22-4b6f-b207-5956ec23e976" providerId="ADAL" clId="{0A5E0328-682D-43F0-9027-E7F0C613DE1A}" dt="2023-09-13T00:56:11.461" v="1623" actId="1076"/>
+          <ac:picMkLst>
+            <pc:docMk/>
+            <pc:sldMk cId="3734577692" sldId="295"/>
+            <ac:picMk id="10" creationId="{06F4FCCC-5685-D704-AA4E-9336D236C7B1}"/>
+          </ac:picMkLst>
+        </pc:picChg>
+      </pc:sldChg>
+      <pc:sldChg chg="addSp delSp modSp add mod">
+        <pc:chgData name="남형우" userId="55d21c22-4a22-4b6f-b207-5956ec23e976" providerId="ADAL" clId="{0A5E0328-682D-43F0-9027-E7F0C613DE1A}" dt="2023-09-13T00:53:03.537" v="1617" actId="1076"/>
+        <pc:sldMkLst>
+          <pc:docMk/>
+          <pc:sldMk cId="2221518337" sldId="296"/>
+        </pc:sldMkLst>
+        <pc:spChg chg="mod">
+          <ac:chgData name="남형우" userId="55d21c22-4a22-4b6f-b207-5956ec23e976" providerId="ADAL" clId="{0A5E0328-682D-43F0-9027-E7F0C613DE1A}" dt="2023-09-13T00:45:07.763" v="1551"/>
+          <ac:spMkLst>
+            <pc:docMk/>
+            <pc:sldMk cId="2221518337" sldId="296"/>
+            <ac:spMk id="2" creationId="{945AD8BE-8230-CB98-4C66-7AFA57B2EEBC}"/>
+          </ac:spMkLst>
+        </pc:spChg>
+        <pc:spChg chg="add mod">
+          <ac:chgData name="남형우" userId="55d21c22-4a22-4b6f-b207-5956ec23e976" providerId="ADAL" clId="{0A5E0328-682D-43F0-9027-E7F0C613DE1A}" dt="2023-09-13T00:52:48.385" v="1615"/>
+          <ac:spMkLst>
+            <pc:docMk/>
+            <pc:sldMk cId="2221518337" sldId="296"/>
+            <ac:spMk id="5" creationId="{5381E11B-8BD7-18D8-9E5F-BB9DB6473A2F}"/>
+          </ac:spMkLst>
+        </pc:spChg>
+        <pc:spChg chg="del">
+          <ac:chgData name="남형우" userId="55d21c22-4a22-4b6f-b207-5956ec23e976" providerId="ADAL" clId="{0A5E0328-682D-43F0-9027-E7F0C613DE1A}" dt="2023-09-13T00:39:42.277" v="1498" actId="478"/>
+          <ac:spMkLst>
+            <pc:docMk/>
+            <pc:sldMk cId="2221518337" sldId="296"/>
+            <ac:spMk id="8" creationId="{A3F71E23-BA88-6DFD-98A3-BB3BAE34BA03}"/>
+          </ac:spMkLst>
+        </pc:spChg>
+        <pc:picChg chg="add mod modCrop">
+          <ac:chgData name="남형우" userId="55d21c22-4a22-4b6f-b207-5956ec23e976" providerId="ADAL" clId="{0A5E0328-682D-43F0-9027-E7F0C613DE1A}" dt="2023-09-13T00:53:03.537" v="1617" actId="1076"/>
+          <ac:picMkLst>
+            <pc:docMk/>
+            <pc:sldMk cId="2221518337" sldId="296"/>
+            <ac:picMk id="4" creationId="{C9B6E8EB-D763-3DA5-2C4D-C679681E06E7}"/>
+          </ac:picMkLst>
+        </pc:picChg>
+        <pc:picChg chg="del">
+          <ac:chgData name="남형우" userId="55d21c22-4a22-4b6f-b207-5956ec23e976" providerId="ADAL" clId="{0A5E0328-682D-43F0-9027-E7F0C613DE1A}" dt="2023-09-13T00:40:06.741" v="1501" actId="478"/>
+          <ac:picMkLst>
+            <pc:docMk/>
+            <pc:sldMk cId="2221518337" sldId="296"/>
+            <ac:picMk id="6" creationId="{779275E3-62C8-928B-A0ED-3EF174AACAA2}"/>
+          </ac:picMkLst>
+        </pc:picChg>
+      </pc:sldChg>
+      <pc:sldChg chg="add del">
+        <pc:chgData name="남형우" userId="55d21c22-4a22-4b6f-b207-5956ec23e976" providerId="ADAL" clId="{0A5E0328-682D-43F0-9027-E7F0C613DE1A}" dt="2023-09-13T01:30:28.068" v="2319" actId="47"/>
+        <pc:sldMkLst>
+          <pc:docMk/>
+          <pc:sldMk cId="2776556830" sldId="297"/>
+        </pc:sldMkLst>
+      </pc:sldChg>
+      <pc:sldChg chg="addSp modSp new mod ord">
+        <pc:chgData name="남형우" userId="55d21c22-4a22-4b6f-b207-5956ec23e976" providerId="ADAL" clId="{0A5E0328-682D-43F0-9027-E7F0C613DE1A}" dt="2023-09-13T03:32:26.236" v="2960"/>
+        <pc:sldMkLst>
+          <pc:docMk/>
+          <pc:sldMk cId="4238337369" sldId="297"/>
+        </pc:sldMkLst>
+        <pc:spChg chg="mod">
+          <ac:chgData name="남형우" userId="55d21c22-4a22-4b6f-b207-5956ec23e976" providerId="ADAL" clId="{0A5E0328-682D-43F0-9027-E7F0C613DE1A}" dt="2023-09-13T03:27:15.246" v="2643"/>
+          <ac:spMkLst>
+            <pc:docMk/>
+            <pc:sldMk cId="4238337369" sldId="297"/>
+            <ac:spMk id="2" creationId="{5FDDB865-9A07-41C5-D6DD-023BBD23EFFD}"/>
+          </ac:spMkLst>
+        </pc:spChg>
+        <pc:spChg chg="mod">
+          <ac:chgData name="남형우" userId="55d21c22-4a22-4b6f-b207-5956ec23e976" providerId="ADAL" clId="{0A5E0328-682D-43F0-9027-E7F0C613DE1A}" dt="2023-09-13T03:29:31.019" v="2818" actId="20577"/>
+          <ac:spMkLst>
+            <pc:docMk/>
+            <pc:sldMk cId="4238337369" sldId="297"/>
+            <ac:spMk id="3" creationId="{CB9C0888-AA9D-1016-6512-56699AE8BEA1}"/>
+          </ac:spMkLst>
+        </pc:spChg>
+        <pc:picChg chg="add mod">
+          <ac:chgData name="남형우" userId="55d21c22-4a22-4b6f-b207-5956ec23e976" providerId="ADAL" clId="{0A5E0328-682D-43F0-9027-E7F0C613DE1A}" dt="2023-09-13T03:29:42.240" v="2820" actId="1076"/>
+          <ac:picMkLst>
+            <pc:docMk/>
+            <pc:sldMk cId="4238337369" sldId="297"/>
+            <ac:picMk id="5" creationId="{77A187BF-5684-799D-F945-6B70149D73C4}"/>
+          </ac:picMkLst>
+        </pc:picChg>
+      </pc:sldChg>
+    </pc:docChg>
+  </pc:docChgLst>
+  <pc:docChgLst>
+    <pc:chgData name="남형우" userId="55d21c22-4a22-4b6f-b207-5956ec23e976" providerId="ADAL" clId="{7E02A27E-1E61-47A9-BCA4-FDC6063622E6}"/>
+    <pc:docChg chg="undo custSel addSld delSld modSld sldOrd">
+      <pc:chgData name="남형우" userId="55d21c22-4a22-4b6f-b207-5956ec23e976" providerId="ADAL" clId="{7E02A27E-1E61-47A9-BCA4-FDC6063622E6}" dt="2023-10-11T23:16:38.171" v="1000" actId="1036"/>
+      <pc:docMkLst>
+        <pc:docMk/>
+      </pc:docMkLst>
+      <pc:sldChg chg="delSp modSp mod delAnim">
+        <pc:chgData name="남형우" userId="55d21c22-4a22-4b6f-b207-5956ec23e976" providerId="ADAL" clId="{7E02A27E-1E61-47A9-BCA4-FDC6063622E6}" dt="2023-10-10T16:10:33.081" v="930" actId="20577"/>
+        <pc:sldMkLst>
+          <pc:docMk/>
+          <pc:sldMk cId="4273145799" sldId="289"/>
+        </pc:sldMkLst>
+        <pc:spChg chg="mod">
+          <ac:chgData name="남형우" userId="55d21c22-4a22-4b6f-b207-5956ec23e976" providerId="ADAL" clId="{7E02A27E-1E61-47A9-BCA4-FDC6063622E6}" dt="2023-10-10T16:10:33.081" v="930" actId="20577"/>
+          <ac:spMkLst>
+            <pc:docMk/>
+            <pc:sldMk cId="4273145799" sldId="289"/>
+            <ac:spMk id="3" creationId="{6C8A20C5-7C45-1A53-39E5-3AF86D088977}"/>
+          </ac:spMkLst>
+        </pc:spChg>
+        <pc:picChg chg="del">
+          <ac:chgData name="남형우" userId="55d21c22-4a22-4b6f-b207-5956ec23e976" providerId="ADAL" clId="{7E02A27E-1E61-47A9-BCA4-FDC6063622E6}" dt="2023-09-26T09:09:59.388" v="0" actId="478"/>
+          <ac:picMkLst>
+            <pc:docMk/>
+            <pc:sldMk cId="4273145799" sldId="289"/>
+            <ac:picMk id="4" creationId="{C46007F5-DF81-4710-093B-17F8934151F6}"/>
+          </ac:picMkLst>
+        </pc:picChg>
+        <pc:picChg chg="del">
+          <ac:chgData name="남형우" userId="55d21c22-4a22-4b6f-b207-5956ec23e976" providerId="ADAL" clId="{7E02A27E-1E61-47A9-BCA4-FDC6063622E6}" dt="2023-09-26T09:09:59.388" v="0" actId="478"/>
+          <ac:picMkLst>
+            <pc:docMk/>
+            <pc:sldMk cId="4273145799" sldId="289"/>
+            <ac:picMk id="5" creationId="{9C4A2FE9-85E3-D33A-B47E-B917D92482BC}"/>
+          </ac:picMkLst>
+        </pc:picChg>
+      </pc:sldChg>
+      <pc:sldChg chg="addSp delSp modSp mod ord delAnim modAnim">
+        <pc:chgData name="남형우" userId="55d21c22-4a22-4b6f-b207-5956ec23e976" providerId="ADAL" clId="{7E02A27E-1E61-47A9-BCA4-FDC6063622E6}" dt="2023-10-11T23:16:38.171" v="1000" actId="1036"/>
+        <pc:sldMkLst>
+          <pc:docMk/>
+          <pc:sldMk cId="570196863" sldId="291"/>
+        </pc:sldMkLst>
+        <pc:spChg chg="mod">
+          <ac:chgData name="남형우" userId="55d21c22-4a22-4b6f-b207-5956ec23e976" providerId="ADAL" clId="{7E02A27E-1E61-47A9-BCA4-FDC6063622E6}" dt="2023-10-10T16:22:12.550" v="939" actId="20577"/>
+          <ac:spMkLst>
+            <pc:docMk/>
+            <pc:sldMk cId="570196863" sldId="291"/>
+            <ac:spMk id="2" creationId="{EF86EFDF-5831-4A5C-70C4-81E08E491C21}"/>
+          </ac:spMkLst>
+        </pc:spChg>
+        <pc:spChg chg="mod">
+          <ac:chgData name="남형우" userId="55d21c22-4a22-4b6f-b207-5956ec23e976" providerId="ADAL" clId="{7E02A27E-1E61-47A9-BCA4-FDC6063622E6}" dt="2023-10-10T16:22:28.960" v="987" actId="20577"/>
+          <ac:spMkLst>
+            <pc:docMk/>
+            <pc:sldMk cId="570196863" sldId="291"/>
+            <ac:spMk id="3" creationId="{F9437826-1146-9824-53D4-C33BDE9C6E31}"/>
+          </ac:spMkLst>
+        </pc:spChg>
+        <pc:spChg chg="del">
+          <ac:chgData name="남형우" userId="55d21c22-4a22-4b6f-b207-5956ec23e976" providerId="ADAL" clId="{7E02A27E-1E61-47A9-BCA4-FDC6063622E6}" dt="2023-09-27T04:43:43.167" v="23" actId="478"/>
+          <ac:spMkLst>
+            <pc:docMk/>
+            <pc:sldMk cId="570196863" sldId="291"/>
+            <ac:spMk id="4" creationId="{7E1BBF9D-C69B-C66A-C62A-A38FC27D0FD4}"/>
+          </ac:spMkLst>
+        </pc:spChg>
+        <pc:spChg chg="add mod">
+          <ac:chgData name="남형우" userId="55d21c22-4a22-4b6f-b207-5956ec23e976" providerId="ADAL" clId="{7E02A27E-1E61-47A9-BCA4-FDC6063622E6}" dt="2023-10-10T13:42:08.902" v="820" actId="1036"/>
+          <ac:spMkLst>
+            <pc:docMk/>
+            <pc:sldMk cId="570196863" sldId="291"/>
+            <ac:spMk id="6" creationId="{14BA724E-3FE2-F2B5-CCAF-84145652D30E}"/>
+          </ac:spMkLst>
+        </pc:spChg>
+        <pc:spChg chg="add mod">
+          <ac:chgData name="남형우" userId="55d21c22-4a22-4b6f-b207-5956ec23e976" providerId="ADAL" clId="{7E02A27E-1E61-47A9-BCA4-FDC6063622E6}" dt="2023-10-10T13:42:08.902" v="820" actId="1036"/>
+          <ac:spMkLst>
+            <pc:docMk/>
+            <pc:sldMk cId="570196863" sldId="291"/>
+            <ac:spMk id="7" creationId="{F56E2616-EA1C-D71D-922D-D017DFD58185}"/>
+          </ac:spMkLst>
+        </pc:spChg>
+        <pc:spChg chg="del">
+          <ac:chgData name="남형우" userId="55d21c22-4a22-4b6f-b207-5956ec23e976" providerId="ADAL" clId="{7E02A27E-1E61-47A9-BCA4-FDC6063622E6}" dt="2023-09-27T04:43:41.683" v="22" actId="478"/>
+          <ac:spMkLst>
+            <pc:docMk/>
+            <pc:sldMk cId="570196863" sldId="291"/>
+            <ac:spMk id="9" creationId="{05E94831-9C3E-B41D-FE50-CC5930612E96}"/>
+          </ac:spMkLst>
+        </pc:spChg>
+        <pc:picChg chg="add mod">
+          <ac:chgData name="남형우" userId="55d21c22-4a22-4b6f-b207-5956ec23e976" providerId="ADAL" clId="{7E02A27E-1E61-47A9-BCA4-FDC6063622E6}" dt="2023-10-10T13:42:08.902" v="820" actId="1036"/>
+          <ac:picMkLst>
+            <pc:docMk/>
+            <pc:sldMk cId="570196863" sldId="291"/>
+            <ac:picMk id="4" creationId="{12BC016A-A368-F731-2ED7-3E8F0A8A21C6}"/>
+          </ac:picMkLst>
+        </pc:picChg>
+        <pc:picChg chg="del">
+          <ac:chgData name="남형우" userId="55d21c22-4a22-4b6f-b207-5956ec23e976" providerId="ADAL" clId="{7E02A27E-1E61-47A9-BCA4-FDC6063622E6}" dt="2023-09-26T09:10:08.736" v="3" actId="478"/>
+          <ac:picMkLst>
+            <pc:docMk/>
+            <pc:sldMk cId="570196863" sldId="291"/>
+            <ac:picMk id="5" creationId="{31252CB5-C78B-B921-8EFF-5B6224CF7711}"/>
+          </ac:picMkLst>
+        </pc:picChg>
+        <pc:picChg chg="add mod">
+          <ac:chgData name="남형우" userId="55d21c22-4a22-4b6f-b207-5956ec23e976" providerId="ADAL" clId="{7E02A27E-1E61-47A9-BCA4-FDC6063622E6}" dt="2023-10-11T23:16:38.171" v="1000" actId="1036"/>
+          <ac:picMkLst>
+            <pc:docMk/>
+            <pc:sldMk cId="570196863" sldId="291"/>
+            <ac:picMk id="5" creationId="{720A0A9C-E8CD-D160-E269-59971C43E825}"/>
+          </ac:picMkLst>
+        </pc:picChg>
+        <pc:picChg chg="del">
+          <ac:chgData name="남형우" userId="55d21c22-4a22-4b6f-b207-5956ec23e976" providerId="ADAL" clId="{7E02A27E-1E61-47A9-BCA4-FDC6063622E6}" dt="2023-09-26T09:10:10.098" v="6" actId="478"/>
+          <ac:picMkLst>
+            <pc:docMk/>
+            <pc:sldMk cId="570196863" sldId="291"/>
+            <ac:picMk id="6" creationId="{C535394E-8DB7-6945-1C09-7807007F8867}"/>
+          </ac:picMkLst>
+        </pc:picChg>
+        <pc:picChg chg="del">
+          <ac:chgData name="남형우" userId="55d21c22-4a22-4b6f-b207-5956ec23e976" providerId="ADAL" clId="{7E02A27E-1E61-47A9-BCA4-FDC6063622E6}" dt="2023-09-26T09:10:09.239" v="4" actId="478"/>
+          <ac:picMkLst>
+            <pc:docMk/>
+            <pc:sldMk cId="570196863" sldId="291"/>
+            <ac:picMk id="7" creationId="{1D53AE75-E492-1FA0-F8B0-F0E5282F7F74}"/>
+          </ac:picMkLst>
+        </pc:picChg>
+        <pc:picChg chg="del">
+          <ac:chgData name="남형우" userId="55d21c22-4a22-4b6f-b207-5956ec23e976" providerId="ADAL" clId="{7E02A27E-1E61-47A9-BCA4-FDC6063622E6}" dt="2023-09-26T09:10:09.629" v="5" actId="478"/>
+          <ac:picMkLst>
+            <pc:docMk/>
+            <pc:sldMk cId="570196863" sldId="291"/>
+            <ac:picMk id="8" creationId="{AB24E1E7-1B82-4B91-61C8-333CBC25C33A}"/>
+          </ac:picMkLst>
+        </pc:picChg>
+      </pc:sldChg>
+      <pc:sldChg chg="delSp del mod delAnim">
+        <pc:chgData name="남형우" userId="55d21c22-4a22-4b6f-b207-5956ec23e976" providerId="ADAL" clId="{7E02A27E-1E61-47A9-BCA4-FDC6063622E6}" dt="2023-10-11T03:57:59.236" v="992" actId="47"/>
+        <pc:sldMkLst>
+          <pc:docMk/>
+          <pc:sldMk cId="1661189638" sldId="298"/>
+        </pc:sldMkLst>
+        <pc:picChg chg="del">
+          <ac:chgData name="남형우" userId="55d21c22-4a22-4b6f-b207-5956ec23e976" providerId="ADAL" clId="{7E02A27E-1E61-47A9-BCA4-FDC6063622E6}" dt="2023-09-26T09:10:12.005" v="8" actId="478"/>
+          <ac:picMkLst>
+            <pc:docMk/>
+            <pc:sldMk cId="1661189638" sldId="298"/>
+            <ac:picMk id="4" creationId="{8D76B264-5E9D-6C61-6CEA-EAAF9EB5C979}"/>
+          </ac:picMkLst>
+        </pc:picChg>
+        <pc:picChg chg="del">
+          <ac:chgData name="남형우" userId="55d21c22-4a22-4b6f-b207-5956ec23e976" providerId="ADAL" clId="{7E02A27E-1E61-47A9-BCA4-FDC6063622E6}" dt="2023-09-26T09:10:11.459" v="7" actId="478"/>
+          <ac:picMkLst>
+            <pc:docMk/>
+            <pc:sldMk cId="1661189638" sldId="298"/>
+            <ac:picMk id="9" creationId="{9E46E866-13D2-1C0D-A1E7-0882D3841BB1}"/>
+          </ac:picMkLst>
+        </pc:picChg>
+      </pc:sldChg>
+      <pc:sldChg chg="addSp delSp modSp mod delAnim modAnim">
+        <pc:chgData name="남형우" userId="55d21c22-4a22-4b6f-b207-5956ec23e976" providerId="ADAL" clId="{7E02A27E-1E61-47A9-BCA4-FDC6063622E6}" dt="2023-10-11T23:13:08.761" v="996" actId="1038"/>
+        <pc:sldMkLst>
+          <pc:docMk/>
+          <pc:sldMk cId="3323202215" sldId="300"/>
+        </pc:sldMkLst>
+        <pc:spChg chg="mod">
+          <ac:chgData name="남형우" userId="55d21c22-4a22-4b6f-b207-5956ec23e976" providerId="ADAL" clId="{7E02A27E-1E61-47A9-BCA4-FDC6063622E6}" dt="2023-10-11T03:56:36.268" v="991"/>
+          <ac:spMkLst>
+            <pc:docMk/>
+            <pc:sldMk cId="3323202215" sldId="300"/>
+            <ac:spMk id="2" creationId="{2A74ECF4-C5C5-9DDD-2C83-BDE3F91016AD}"/>
+          </ac:spMkLst>
+        </pc:spChg>
+        <pc:spChg chg="mod">
+          <ac:chgData name="남형우" userId="55d21c22-4a22-4b6f-b207-5956ec23e976" providerId="ADAL" clId="{7E02A27E-1E61-47A9-BCA4-FDC6063622E6}" dt="2023-10-10T16:22:35.753" v="988"/>
+          <ac:spMkLst>
+            <pc:docMk/>
+            <pc:sldMk cId="3323202215" sldId="300"/>
+            <ac:spMk id="3" creationId="{4C7FA0F8-3AAA-762D-A5B7-BB4D399C4542}"/>
+          </ac:spMkLst>
+        </pc:spChg>
+        <pc:picChg chg="add del mod modCrop">
+          <ac:chgData name="남형우" userId="55d21c22-4a22-4b6f-b207-5956ec23e976" providerId="ADAL" clId="{7E02A27E-1E61-47A9-BCA4-FDC6063622E6}" dt="2023-10-10T13:14:48.704" v="184" actId="478"/>
+          <ac:picMkLst>
+            <pc:docMk/>
+            <pc:sldMk cId="3323202215" sldId="300"/>
+            <ac:picMk id="4" creationId="{85C41911-838B-E532-A159-E74B8C6062F4}"/>
+          </ac:picMkLst>
+        </pc:picChg>
+        <pc:picChg chg="del">
+          <ac:chgData name="남형우" userId="55d21c22-4a22-4b6f-b207-5956ec23e976" providerId="ADAL" clId="{7E02A27E-1E61-47A9-BCA4-FDC6063622E6}" dt="2023-09-26T09:10:04.986" v="2" actId="478"/>
+          <ac:picMkLst>
+            <pc:docMk/>
+            <pc:sldMk cId="3323202215" sldId="300"/>
+            <ac:picMk id="4" creationId="{FF8A7E28-6F99-6957-FFE9-3EAE61415DED}"/>
+          </ac:picMkLst>
+        </pc:picChg>
+        <pc:picChg chg="add mod modCrop">
+          <ac:chgData name="남형우" userId="55d21c22-4a22-4b6f-b207-5956ec23e976" providerId="ADAL" clId="{7E02A27E-1E61-47A9-BCA4-FDC6063622E6}" dt="2023-10-11T23:13:08.761" v="996" actId="1038"/>
+          <ac:picMkLst>
+            <pc:docMk/>
+            <pc:sldMk cId="3323202215" sldId="300"/>
+            <ac:picMk id="5" creationId="{16A91BEA-B21A-1B9A-5B08-18E9182C5931}"/>
+          </ac:picMkLst>
+        </pc:picChg>
+        <pc:picChg chg="add mod">
+          <ac:chgData name="남형우" userId="55d21c22-4a22-4b6f-b207-5956ec23e976" providerId="ADAL" clId="{7E02A27E-1E61-47A9-BCA4-FDC6063622E6}" dt="2023-10-10T13:41:33.573" v="800" actId="1076"/>
+          <ac:picMkLst>
+            <pc:docMk/>
+            <pc:sldMk cId="3323202215" sldId="300"/>
+            <ac:picMk id="6" creationId="{30CF9233-3710-8360-30FC-0A704AB79ACA}"/>
+          </ac:picMkLst>
+        </pc:picChg>
+      </pc:sldChg>
+      <pc:sldChg chg="delSp del mod delAnim">
+        <pc:chgData name="남형우" userId="55d21c22-4a22-4b6f-b207-5956ec23e976" providerId="ADAL" clId="{7E02A27E-1E61-47A9-BCA4-FDC6063622E6}" dt="2023-09-26T09:11:05.110" v="21" actId="47"/>
+        <pc:sldMkLst>
+          <pc:docMk/>
+          <pc:sldMk cId="695548917" sldId="301"/>
+        </pc:sldMkLst>
+        <pc:picChg chg="del">
+          <ac:chgData name="남형우" userId="55d21c22-4a22-4b6f-b207-5956ec23e976" providerId="ADAL" clId="{7E02A27E-1E61-47A9-BCA4-FDC6063622E6}" dt="2023-09-26T09:10:02.078" v="1" actId="478"/>
+          <ac:picMkLst>
+            <pc:docMk/>
+            <pc:sldMk cId="695548917" sldId="301"/>
+            <ac:picMk id="4" creationId="{C46007F5-DF81-4710-093B-17F8934151F6}"/>
+          </ac:picMkLst>
+        </pc:picChg>
+        <pc:picChg chg="del">
+          <ac:chgData name="남형우" userId="55d21c22-4a22-4b6f-b207-5956ec23e976" providerId="ADAL" clId="{7E02A27E-1E61-47A9-BCA4-FDC6063622E6}" dt="2023-09-26T09:10:02.078" v="1" actId="478"/>
+          <ac:picMkLst>
+            <pc:docMk/>
+            <pc:sldMk cId="695548917" sldId="301"/>
+            <ac:picMk id="5" creationId="{9C4A2FE9-85E3-D33A-B47E-B917D92482BC}"/>
+          </ac:picMkLst>
+        </pc:picChg>
+      </pc:sldChg>
+      <pc:sldChg chg="modSp new del mod">
+        <pc:chgData name="남형우" userId="55d21c22-4a22-4b6f-b207-5956ec23e976" providerId="ADAL" clId="{7E02A27E-1E61-47A9-BCA4-FDC6063622E6}" dt="2023-10-10T13:47:38.350" v="824" actId="47"/>
+        <pc:sldMkLst>
+          <pc:docMk/>
+          <pc:sldMk cId="3422894093" sldId="301"/>
+        </pc:sldMkLst>
+        <pc:spChg chg="mod">
+          <ac:chgData name="남형우" userId="55d21c22-4a22-4b6f-b207-5956ec23e976" providerId="ADAL" clId="{7E02A27E-1E61-47A9-BCA4-FDC6063622E6}" dt="2023-10-10T12:57:12.087" v="43" actId="20577"/>
+          <ac:spMkLst>
+            <pc:docMk/>
+            <pc:sldMk cId="3422894093" sldId="301"/>
+            <ac:spMk id="2" creationId="{CB4788A8-A1EC-208C-E4A4-4D0C6311DF48}"/>
+          </ac:spMkLst>
+        </pc:spChg>
+        <pc:spChg chg="mod">
+          <ac:chgData name="남형우" userId="55d21c22-4a22-4b6f-b207-5956ec23e976" providerId="ADAL" clId="{7E02A27E-1E61-47A9-BCA4-FDC6063622E6}" dt="2023-10-10T13:09:24.325" v="176"/>
+          <ac:spMkLst>
+            <pc:docMk/>
+            <pc:sldMk cId="3422894093" sldId="301"/>
+            <ac:spMk id="3" creationId="{0A685E7A-DBE2-609E-C189-77C4F6220AC2}"/>
+          </ac:spMkLst>
+        </pc:spChg>
       </pc:sldChg>
     </pc:docChg>
   </pc:docChgLst>
@@ -4114,7 +4114,7 @@
           <a:p>
             <a:fld id="{66152190-817D-4509-BBE9-4CF8CB874CB7}" type="datetimeFigureOut">
               <a:rPr lang="ko-KR" altLang="en-US" smtClean="0"/>
-              <a:t>2024-05-29</a:t>
+              <a:t>2024. 5. 30.</a:t>
             </a:fld>
             <a:endParaRPr lang="ko-KR" altLang="en-US"/>
           </a:p>
@@ -6103,7 +6103,7 @@
           <a:p>
             <a:fld id="{BC5961DF-8F50-4854-B166-A16D5F551121}" type="datetimeFigureOut">
               <a:rPr lang="ko-KR" altLang="en-US" smtClean="0"/>
-              <a:t>2024-05-29</a:t>
+              <a:t>2024. 5. 30.</a:t>
             </a:fld>
             <a:endParaRPr lang="ko-KR" altLang="en-US"/>
           </a:p>
@@ -6301,7 +6301,7 @@
           <a:p>
             <a:fld id="{BC5961DF-8F50-4854-B166-A16D5F551121}" type="datetimeFigureOut">
               <a:rPr lang="ko-KR" altLang="en-US" smtClean="0"/>
-              <a:t>2024-05-29</a:t>
+              <a:t>2024. 5. 30.</a:t>
             </a:fld>
             <a:endParaRPr lang="ko-KR" altLang="en-US"/>
           </a:p>
@@ -6509,7 +6509,7 @@
           <a:p>
             <a:fld id="{BC5961DF-8F50-4854-B166-A16D5F551121}" type="datetimeFigureOut">
               <a:rPr lang="ko-KR" altLang="en-US" smtClean="0"/>
-              <a:t>2024-05-29</a:t>
+              <a:t>2024. 5. 30.</a:t>
             </a:fld>
             <a:endParaRPr lang="ko-KR" altLang="en-US"/>
           </a:p>
@@ -6969,7 +6969,7 @@
           <a:p>
             <a:fld id="{BC5961DF-8F50-4854-B166-A16D5F551121}" type="datetimeFigureOut">
               <a:rPr lang="ko-KR" altLang="en-US" smtClean="0"/>
-              <a:t>2024-05-29</a:t>
+              <a:t>2024. 5. 30.</a:t>
             </a:fld>
             <a:endParaRPr lang="ko-KR" altLang="en-US"/>
           </a:p>
@@ -7234,7 +7234,7 @@
           <a:p>
             <a:fld id="{BC5961DF-8F50-4854-B166-A16D5F551121}" type="datetimeFigureOut">
               <a:rPr lang="ko-KR" altLang="en-US" smtClean="0"/>
-              <a:t>2024-05-29</a:t>
+              <a:t>2024. 5. 30.</a:t>
             </a:fld>
             <a:endParaRPr lang="ko-KR" altLang="en-US"/>
           </a:p>
@@ -7646,7 +7646,7 @@
           <a:p>
             <a:fld id="{BC5961DF-8F50-4854-B166-A16D5F551121}" type="datetimeFigureOut">
               <a:rPr lang="ko-KR" altLang="en-US" smtClean="0"/>
-              <a:t>2024-05-29</a:t>
+              <a:t>2024. 5. 30.</a:t>
             </a:fld>
             <a:endParaRPr lang="ko-KR" altLang="en-US"/>
           </a:p>
@@ -7787,7 +7787,7 @@
           <a:p>
             <a:fld id="{BC5961DF-8F50-4854-B166-A16D5F551121}" type="datetimeFigureOut">
               <a:rPr lang="ko-KR" altLang="en-US" smtClean="0"/>
-              <a:t>2024-05-29</a:t>
+              <a:t>2024. 5. 30.</a:t>
             </a:fld>
             <a:endParaRPr lang="ko-KR" altLang="en-US"/>
           </a:p>
@@ -7900,7 +7900,7 @@
           <a:p>
             <a:fld id="{BC5961DF-8F50-4854-B166-A16D5F551121}" type="datetimeFigureOut">
               <a:rPr lang="ko-KR" altLang="en-US" smtClean="0"/>
-              <a:t>2024-05-29</a:t>
+              <a:t>2024. 5. 30.</a:t>
             </a:fld>
             <a:endParaRPr lang="ko-KR" altLang="en-US"/>
           </a:p>
@@ -8211,7 +8211,7 @@
           <a:p>
             <a:fld id="{BC5961DF-8F50-4854-B166-A16D5F551121}" type="datetimeFigureOut">
               <a:rPr lang="ko-KR" altLang="en-US" smtClean="0"/>
-              <a:t>2024-05-29</a:t>
+              <a:t>2024. 5. 30.</a:t>
             </a:fld>
             <a:endParaRPr lang="ko-KR" altLang="en-US"/>
           </a:p>
@@ -8502,7 +8502,7 @@
           <a:p>
             <a:fld id="{BC5961DF-8F50-4854-B166-A16D5F551121}" type="datetimeFigureOut">
               <a:rPr lang="ko-KR" altLang="en-US" smtClean="0"/>
-              <a:t>2024-05-29</a:t>
+              <a:t>2024. 5. 30.</a:t>
             </a:fld>
             <a:endParaRPr lang="ko-KR" altLang="en-US"/>
           </a:p>
@@ -8752,7 +8752,7 @@
           <a:p>
             <a:fld id="{BC5961DF-8F50-4854-B166-A16D5F551121}" type="datetimeFigureOut">
               <a:rPr lang="ko-KR" altLang="en-US" smtClean="0"/>
-              <a:t>2024-05-29</a:t>
+              <a:t>2024. 5. 30.</a:t>
             </a:fld>
             <a:endParaRPr lang="ko-KR" altLang="en-US"/>
           </a:p>
@@ -9919,6 +9919,58 @@
               <a:rPr lang="en-US" altLang="ko-KR" dirty="0"/>
               <a:t>Model1 – Parameter Tuning</a:t>
             </a:r>
+            <a:endParaRPr lang="ko-KR" altLang="en-US" dirty="0"/>
+          </a:p>
+        </p:txBody>
+      </p:sp>
+      <p:sp>
+        <p:nvSpPr>
+          <p:cNvPr id="4" name="직사각형 20">
+            <a:extLst>
+              <a:ext uri="{FF2B5EF4-FFF2-40B4-BE49-F238E27FC236}">
+                <a16:creationId xmlns:a16="http://schemas.microsoft.com/office/drawing/2014/main" id="{65353617-DCCC-792E-ED58-0C525374EED2}"/>
+              </a:ext>
+            </a:extLst>
+          </p:cNvPr>
+          <p:cNvSpPr/>
+          <p:nvPr/>
+        </p:nvSpPr>
+        <p:spPr>
+          <a:xfrm>
+            <a:off x="160232" y="6290649"/>
+            <a:ext cx="1345839" cy="521746"/>
+          </a:xfrm>
+          <a:prstGeom prst="rect">
+            <a:avLst/>
+          </a:prstGeom>
+          <a:solidFill>
+            <a:schemeClr val="bg1"/>
+          </a:solidFill>
+          <a:ln>
+            <a:noFill/>
+          </a:ln>
+        </p:spPr>
+        <p:style>
+          <a:lnRef idx="2">
+            <a:schemeClr val="accent1">
+              <a:shade val="50000"/>
+            </a:schemeClr>
+          </a:lnRef>
+          <a:fillRef idx="1">
+            <a:schemeClr val="accent1"/>
+          </a:fillRef>
+          <a:effectRef idx="0">
+            <a:schemeClr val="accent1"/>
+          </a:effectRef>
+          <a:fontRef idx="minor">
+            <a:schemeClr val="lt1"/>
+          </a:fontRef>
+        </p:style>
+        <p:txBody>
+          <a:bodyPr rtlCol="0" anchor="ctr"/>
+          <a:lstStyle/>
+          <a:p>
+            <a:pPr algn="ctr"/>
             <a:endParaRPr lang="ko-KR" altLang="en-US" dirty="0"/>
           </a:p>
         </p:txBody>
@@ -13168,7 +13220,7 @@
                 <a:ea typeface="Microsoft GothicNeo Light" panose="020B0300000101010101" pitchFamily="50" charset="-127"/>
                 <a:cs typeface="Microsoft GothicNeo Light" panose="020B0300000101010101" pitchFamily="50" charset="-127"/>
               </a:rPr>
-              <a:t>Generated via Gaussian process regression from gait data of children with TD</a:t>
+              <a:t>Generated via Gaussian process regression from gait data of TD children</a:t>
             </a:r>
             <a:endParaRPr lang="ko-KR" altLang="en-US" sz="1600" dirty="0">
               <a:latin typeface="Microsoft GothicNeo Light" panose="020B0300000101010101" pitchFamily="50" charset="-127"/>
@@ -27710,8 +27762,8 @@
           </a:p>
         </p:txBody>
       </p:sp>
-      <mc:AlternateContent xmlns:mc="http://schemas.openxmlformats.org/markup-compatibility/2006">
-        <mc:Choice xmlns:a14="http://schemas.microsoft.com/office/drawing/2010/main" Requires="a14">
+      <mc:AlternateContent xmlns:mc="http://schemas.openxmlformats.org/markup-compatibility/2006" xmlns:a14="http://schemas.microsoft.com/office/drawing/2010/main">
+        <mc:Choice Requires="a14">
           <p:sp>
             <p:nvSpPr>
               <p:cNvPr id="23" name="TextBox 22">
@@ -28199,7 +28251,7 @@
             </p:txBody>
           </p:sp>
         </mc:Choice>
-        <mc:Fallback>
+        <mc:Fallback xmlns="">
           <p:sp>
             <p:nvSpPr>
               <p:cNvPr id="23" name="TextBox 22">
@@ -31542,6 +31594,81 @@
   <p:transition spd="slow">
     <p:fade/>
   </p:transition>
+  <p:timing>
+    <p:tnLst>
+      <p:par>
+        <p:cTn id="1" dur="indefinite" restart="never" nodeType="tmRoot">
+          <p:childTnLst>
+            <p:seq concurrent="1" nextAc="seek">
+              <p:cTn id="2" dur="indefinite" nodeType="mainSeq">
+                <p:childTnLst>
+                  <p:par>
+                    <p:cTn id="3" fill="hold">
+                      <p:stCondLst>
+                        <p:cond delay="indefinite"/>
+                      </p:stCondLst>
+                      <p:childTnLst>
+                        <p:par>
+                          <p:cTn id="4" fill="hold">
+                            <p:stCondLst>
+                              <p:cond delay="0"/>
+                            </p:stCondLst>
+                            <p:childTnLst>
+                              <p:par>
+                                <p:cTn id="5" presetID="1" presetClass="entr" presetSubtype="0" fill="hold" nodeType="clickEffect">
+                                  <p:stCondLst>
+                                    <p:cond delay="0"/>
+                                  </p:stCondLst>
+                                  <p:childTnLst>
+                                    <p:set>
+                                      <p:cBhvr>
+                                        <p:cTn id="6" dur="1" fill="hold">
+                                          <p:stCondLst>
+                                            <p:cond delay="0"/>
+                                          </p:stCondLst>
+                                        </p:cTn>
+                                        <p:tgtEl>
+                                          <p:spTgt spid="24"/>
+                                        </p:tgtEl>
+                                        <p:attrNameLst>
+                                          <p:attrName>style.visibility</p:attrName>
+                                        </p:attrNameLst>
+                                      </p:cBhvr>
+                                      <p:to>
+                                        <p:strVal val="visible"/>
+                                      </p:to>
+                                    </p:set>
+                                  </p:childTnLst>
+                                </p:cTn>
+                              </p:par>
+                            </p:childTnLst>
+                          </p:cTn>
+                        </p:par>
+                      </p:childTnLst>
+                    </p:cTn>
+                  </p:par>
+                </p:childTnLst>
+              </p:cTn>
+              <p:prevCondLst>
+                <p:cond evt="onPrev" delay="0">
+                  <p:tgtEl>
+                    <p:sldTgt/>
+                  </p:tgtEl>
+                </p:cond>
+              </p:prevCondLst>
+              <p:nextCondLst>
+                <p:cond evt="onNext" delay="0">
+                  <p:tgtEl>
+                    <p:sldTgt/>
+                  </p:tgtEl>
+                </p:cond>
+              </p:nextCondLst>
+            </p:seq>
+          </p:childTnLst>
+        </p:cTn>
+      </p:par>
+    </p:tnLst>
+  </p:timing>
 </p:sld>
 </file>
 
